--- a/Signali I RxJS.pptx
+++ b/Signali I RxJS.pptx
@@ -5,12 +5,26 @@
     <p:sldMasterId id="2147483660" r:id="rId4"/>
   </p:sldMasterIdLst>
   <p:notesMasterIdLst>
-    <p:notesMasterId r:id="rId8"/>
+    <p:notesMasterId r:id="rId22"/>
   </p:notesMasterIdLst>
   <p:sldIdLst>
     <p:sldId id="278" r:id="rId5"/>
     <p:sldId id="279" r:id="rId6"/>
     <p:sldId id="280" r:id="rId7"/>
+    <p:sldId id="282" r:id="rId8"/>
+    <p:sldId id="290" r:id="rId9"/>
+    <p:sldId id="293" r:id="rId10"/>
+    <p:sldId id="291" r:id="rId11"/>
+    <p:sldId id="292" r:id="rId12"/>
+    <p:sldId id="283" r:id="rId13"/>
+    <p:sldId id="284" r:id="rId14"/>
+    <p:sldId id="294" r:id="rId15"/>
+    <p:sldId id="289" r:id="rId16"/>
+    <p:sldId id="295" r:id="rId17"/>
+    <p:sldId id="286" r:id="rId18"/>
+    <p:sldId id="285" r:id="rId19"/>
+    <p:sldId id="287" r:id="rId20"/>
+    <p:sldId id="288" r:id="rId21"/>
   </p:sldIdLst>
   <p:sldSz cx="12192000" cy="6858000"/>
   <p:notesSz cx="6858000" cy="9144000"/>
@@ -199,7 +213,7 @@
           <a:p>
             <a:fld id="{AFD01546-198A-4195-BCF8-F0FF54C90E5E}" type="datetimeFigureOut">
               <a:rPr lang="en-US" smtClean="0"/>
-              <a:t>1/4/2026</a:t>
+              <a:t>1/5/2026</a:t>
             </a:fld>
             <a:endParaRPr lang="en-US" dirty="0"/>
           </a:p>
@@ -795,7 +809,7 @@
           <a:p>
             <a:fld id="{88D38747-4367-4BD2-8D51-C97E202738E2}" type="datetime1">
               <a:rPr lang="en-US" smtClean="0"/>
-              <a:t>1/4/2026</a:t>
+              <a:t>1/5/2026</a:t>
             </a:fld>
             <a:endParaRPr lang="en-US" dirty="0"/>
           </a:p>
@@ -1100,7 +1114,7 @@
           <a:p>
             <a:fld id="{11F1B079-7EF0-44EE-B798-BCC497C9F3B2}" type="datetime1">
               <a:rPr lang="en-US" smtClean="0"/>
-              <a:t>1/4/2026</a:t>
+              <a:t>1/5/2026</a:t>
             </a:fld>
             <a:endParaRPr lang="en-US" dirty="0"/>
           </a:p>
@@ -1294,7 +1308,7 @@
           <a:p>
             <a:fld id="{28FF70A8-1D13-4657-95F0-A9EA54967B8D}" type="datetime1">
               <a:rPr lang="en-US" smtClean="0"/>
-              <a:t>1/4/2026</a:t>
+              <a:t>1/5/2026</a:t>
             </a:fld>
             <a:endParaRPr lang="en-US" dirty="0"/>
           </a:p>
@@ -1557,7 +1571,7 @@
           <a:p>
             <a:fld id="{21EB90AC-71BD-4C7F-8ACA-7B3F18292E63}" type="datetime1">
               <a:rPr lang="en-US" smtClean="0"/>
-              <a:t>1/4/2026</a:t>
+              <a:t>1/5/2026</a:t>
             </a:fld>
             <a:endParaRPr lang="en-US" dirty="0"/>
           </a:p>
@@ -1993,7 +2007,7 @@
           <a:p>
             <a:fld id="{4E6EFC2C-8905-46F0-B443-CE905B76BA01}" type="datetime1">
               <a:rPr lang="en-US" smtClean="0"/>
-              <a:t>1/4/2026</a:t>
+              <a:t>1/5/2026</a:t>
             </a:fld>
             <a:endParaRPr lang="en-US" dirty="0"/>
           </a:p>
@@ -2530,7 +2544,7 @@
           <a:p>
             <a:fld id="{D9079DC3-C9B5-499E-9140-0DC28B7074E2}" type="datetime1">
               <a:rPr lang="en-US" smtClean="0"/>
-              <a:t>1/4/2026</a:t>
+              <a:t>1/5/2026</a:t>
             </a:fld>
             <a:endParaRPr lang="en-US" dirty="0"/>
           </a:p>
@@ -3412,7 +3426,7 @@
           <a:p>
             <a:fld id="{30BB33EA-E472-4D22-9C03-A9C14AA21CED}" type="datetime1">
               <a:rPr lang="en-US" smtClean="0"/>
-              <a:t>1/4/2026</a:t>
+              <a:t>1/5/2026</a:t>
             </a:fld>
             <a:endParaRPr lang="en-US" dirty="0"/>
           </a:p>
@@ -3582,7 +3596,7 @@
           <a:p>
             <a:fld id="{73C55A3C-5767-4844-A0A3-83778C2E5409}" type="datetime1">
               <a:rPr lang="en-US" smtClean="0"/>
-              <a:t>1/4/2026</a:t>
+              <a:t>1/5/2026</a:t>
             </a:fld>
             <a:endParaRPr lang="en-US" dirty="0"/>
           </a:p>
@@ -3826,7 +3840,7 @@
           <a:p>
             <a:fld id="{CAE507A8-A5CF-4D38-AB86-7EDDA87A85D4}" type="datetime1">
               <a:rPr lang="en-US" smtClean="0"/>
-              <a:t>1/4/2026</a:t>
+              <a:t>1/5/2026</a:t>
             </a:fld>
             <a:endParaRPr lang="en-US" dirty="0"/>
           </a:p>
@@ -4068,7 +4082,7 @@
           <a:p>
             <a:fld id="{BDFCD27C-8599-43EF-BA1D-14DDC1946E06}" type="datetime1">
               <a:rPr lang="en-US" smtClean="0"/>
-              <a:t>1/4/2026</a:t>
+              <a:t>1/5/2026</a:t>
             </a:fld>
             <a:endParaRPr lang="en-US" dirty="0"/>
           </a:p>
@@ -4551,7 +4565,7 @@
           <a:p>
             <a:fld id="{49343D99-809A-49C0-96E5-4250D0B498EE}" type="datetime1">
               <a:rPr lang="en-US" smtClean="0"/>
-              <a:t>1/4/2026</a:t>
+              <a:t>1/5/2026</a:t>
             </a:fld>
             <a:endParaRPr lang="en-US" dirty="0"/>
           </a:p>
@@ -4669,7 +4683,7 @@
           <a:p>
             <a:fld id="{A143DE9B-B678-4EFB-BB7D-A4370204A0B0}" type="datetime1">
               <a:rPr lang="en-US" smtClean="0"/>
-              <a:t>1/4/2026</a:t>
+              <a:t>1/5/2026</a:t>
             </a:fld>
             <a:endParaRPr lang="en-US" dirty="0"/>
           </a:p>
@@ -4764,7 +4778,7 @@
           <a:p>
             <a:fld id="{E68812DA-F765-4142-A6A3-A8ED7235E082}" type="datetime1">
               <a:rPr lang="en-US" smtClean="0"/>
-              <a:t>1/4/2026</a:t>
+              <a:t>1/5/2026</a:t>
             </a:fld>
             <a:endParaRPr lang="en-US" dirty="0"/>
           </a:p>
@@ -5019,7 +5033,7 @@
           <a:p>
             <a:fld id="{3E0277FD-7DE6-41D4-930D-AC99F5AFE54E}" type="datetime1">
               <a:rPr lang="en-US" smtClean="0"/>
-              <a:t>1/4/2026</a:t>
+              <a:t>1/5/2026</a:t>
             </a:fld>
             <a:endParaRPr lang="en-US" dirty="0"/>
           </a:p>
@@ -5326,7 +5340,7 @@
           <a:p>
             <a:fld id="{9EA15526-7079-4B7B-987C-1B5FAE11A0FF}" type="datetime1">
               <a:rPr lang="en-US" smtClean="0"/>
-              <a:t>1/4/2026</a:t>
+              <a:t>1/5/2026</a:t>
             </a:fld>
             <a:endParaRPr lang="en-US" dirty="0"/>
           </a:p>
@@ -5561,7 +5575,7 @@
           <a:p>
             <a:fld id="{073ED0CC-082F-4160-86E5-0D6041F12778}" type="datetime1">
               <a:rPr lang="en-US" smtClean="0"/>
-              <a:t>1/4/2026</a:t>
+              <a:t>1/5/2026</a:t>
             </a:fld>
             <a:endParaRPr lang="en-US" dirty="0"/>
           </a:p>
@@ -6479,7 +6493,7 @@
           </a:effectLst>
           <a:extLst>
             <a:ext uri="{91240B29-F687-4f45-9708-019B960494DF}">
-              <a14:hiddenLine xmlns:a16="http://schemas.microsoft.com/office/drawing/2014/main" xmlns:p14="http://schemas.microsoft.com/office/powerpoint/2010/main" xmlns:a14="http://schemas.microsoft.com/office/drawing/2010/main" xmlns="" w="9525">
+              <a14:hiddenLine xmlns="" xmlns:a14="http://schemas.microsoft.com/office/drawing/2010/main" xmlns:p14="http://schemas.microsoft.com/office/powerpoint/2010/main" xmlns:a16="http://schemas.microsoft.com/office/drawing/2014/main" w="9525">
                 <a:solidFill>
                   <a:srgbClr val="000000"/>
                 </a:solidFill>
@@ -6550,46 +6564,52 @@
         </p:nvSpPr>
         <p:spPr>
           <a:xfrm>
-            <a:off x="7389962" y="1673524"/>
-            <a:ext cx="3649513" cy="2079326"/>
+            <a:off x="6604341" y="2057400"/>
+            <a:ext cx="5086350" cy="1714500"/>
           </a:xfrm>
         </p:spPr>
         <p:txBody>
           <a:bodyPr>
-            <a:normAutofit fontScale="90000"/>
+            <a:noAutofit/>
           </a:bodyPr>
           <a:lstStyle/>
           <a:p>
-            <a:pPr algn="l"/>
-            <a:r>
-              <a:rPr lang="en-US" sz="4000" dirty="0" err="1"/>
-              <a:t>Signali</a:t>
-            </a:r>
-            <a:r>
-              <a:rPr lang="en-US" sz="4000" dirty="0"/>
-              <a:t> I </a:t>
-            </a:r>
-            <a:r>
-              <a:rPr lang="en-US" sz="4000" dirty="0" err="1"/>
+            <a:r>
+              <a:rPr lang="en-US" sz="3200" dirty="0"/>
+              <a:t>Angular Signals </a:t>
+            </a:r>
+            <a:r>
+              <a:rPr lang="sr-Latn-RS" sz="3200" dirty="0"/>
+              <a:t>i</a:t>
+            </a:r>
+            <a:r>
+              <a:rPr lang="en-US" sz="3200" dirty="0"/>
+              <a:t> </a:t>
+            </a:r>
+            <a:r>
+              <a:rPr lang="en-US" sz="3200" dirty="0" err="1"/>
               <a:t>RxJS</a:t>
             </a:r>
             <a:r>
-              <a:rPr lang="en-US" sz="4000" dirty="0"/>
+              <a:rPr lang="en-US" sz="3200" dirty="0"/>
               <a:t>: </a:t>
             </a:r>
             <a:r>
-              <a:rPr lang="en-US" sz="4000" dirty="0" err="1"/>
+              <a:rPr lang="en-US" sz="3200" dirty="0" err="1"/>
               <a:t>Reaktivna</a:t>
             </a:r>
             <a:r>
-              <a:rPr lang="en-US" sz="4000" dirty="0"/>
-              <a:t> Angular </a:t>
-            </a:r>
-            <a:r>
-              <a:rPr lang="en-US" sz="4000" dirty="0" err="1"/>
+              <a:rPr lang="en-US" sz="3200" dirty="0"/>
+              <a:t> Shopping Cart </a:t>
+            </a:r>
+            <a:r>
+              <a:rPr lang="en-US" sz="3200" dirty="0" err="1"/>
               <a:t>aplikacija</a:t>
             </a:r>
-            <a:endParaRPr lang="en-US" sz="4000" dirty="0"/>
+            <a:br>
+              <a:rPr lang="en-US" sz="3200" dirty="0"/>
+            </a:br>
+            <a:endParaRPr lang="en-US" sz="3200" dirty="0"/>
           </a:p>
         </p:txBody>
       </p:sp>
@@ -6645,6 +6665,1469 @@
     <p:extLst>
       <p:ext uri="{BB962C8B-B14F-4D97-AF65-F5344CB8AC3E}">
         <p14:creationId xmlns:p14="http://schemas.microsoft.com/office/powerpoint/2010/main" val="4167884232"/>
+      </p:ext>
+    </p:extLst>
+  </p:cSld>
+  <p:clrMapOvr>
+    <a:masterClrMapping/>
+  </p:clrMapOvr>
+</p:sld>
+</file>
+
+<file path=ppt/slides/slide10.xml><?xml version="1.0" encoding="utf-8"?>
+<p:sld xmlns:a="http://schemas.openxmlformats.org/drawingml/2006/main" xmlns:r="http://schemas.openxmlformats.org/officeDocument/2006/relationships" xmlns:p="http://schemas.openxmlformats.org/presentationml/2006/main">
+  <p:cSld>
+    <p:spTree>
+      <p:nvGrpSpPr>
+        <p:cNvPr id="1" name=""/>
+        <p:cNvGrpSpPr/>
+        <p:nvPr/>
+      </p:nvGrpSpPr>
+      <p:grpSpPr>
+        <a:xfrm>
+          <a:off x="0" y="0"/>
+          <a:ext cx="0" cy="0"/>
+          <a:chOff x="0" y="0"/>
+          <a:chExt cx="0" cy="0"/>
+        </a:xfrm>
+      </p:grpSpPr>
+      <p:sp>
+        <p:nvSpPr>
+          <p:cNvPr id="2" name="Title 1">
+            <a:extLst>
+              <a:ext uri="{FF2B5EF4-FFF2-40B4-BE49-F238E27FC236}">
+                <a16:creationId xmlns:a16="http://schemas.microsoft.com/office/drawing/2014/main" id="{C007A5D2-144F-8264-D0E0-85C8CC64368D}"/>
+              </a:ext>
+            </a:extLst>
+          </p:cNvPr>
+          <p:cNvSpPr>
+            <a:spLocks noGrp="1"/>
+          </p:cNvSpPr>
+          <p:nvPr>
+            <p:ph type="title"/>
+          </p:nvPr>
+        </p:nvSpPr>
+        <p:spPr/>
+        <p:txBody>
+          <a:bodyPr/>
+          <a:lstStyle/>
+          <a:p>
+            <a:r>
+              <a:rPr lang="sr-Latn-RS" dirty="0"/>
+              <a:t>Angular Signals</a:t>
+            </a:r>
+            <a:endParaRPr lang="en-US" dirty="0"/>
+          </a:p>
+        </p:txBody>
+      </p:sp>
+      <p:sp>
+        <p:nvSpPr>
+          <p:cNvPr id="3" name="Content Placeholder 2">
+            <a:extLst>
+              <a:ext uri="{FF2B5EF4-FFF2-40B4-BE49-F238E27FC236}">
+                <a16:creationId xmlns:a16="http://schemas.microsoft.com/office/drawing/2014/main" id="{44849908-9B92-7624-7ADF-3EA473ED2EE5}"/>
+              </a:ext>
+            </a:extLst>
+          </p:cNvPr>
+          <p:cNvSpPr>
+            <a:spLocks noGrp="1"/>
+          </p:cNvSpPr>
+          <p:nvPr>
+            <p:ph idx="1"/>
+          </p:nvPr>
+        </p:nvSpPr>
+        <p:spPr>
+          <a:xfrm>
+            <a:off x="913795" y="2076450"/>
+            <a:ext cx="10353762" cy="4333875"/>
+          </a:xfrm>
+        </p:spPr>
+        <p:txBody>
+          <a:bodyPr>
+            <a:normAutofit/>
+          </a:bodyPr>
+          <a:lstStyle/>
+          <a:p>
+            <a:r>
+              <a:rPr lang="sr-Latn-RS" dirty="0"/>
+              <a:t>Angular V&gt;15</a:t>
+            </a:r>
+          </a:p>
+          <a:p>
+            <a:r>
+              <a:rPr lang="sr-Latn-RS" dirty="0"/>
+              <a:t>Reaktivni kontejner za vrednost</a:t>
+            </a:r>
+          </a:p>
+          <a:p>
+            <a:endParaRPr lang="sr-Latn-RS" dirty="0"/>
+          </a:p>
+          <a:p>
+            <a:endParaRPr lang="sr-Latn-RS" dirty="0"/>
+          </a:p>
+          <a:p>
+            <a:r>
+              <a:rPr lang="sr-Latn-RS" dirty="0"/>
+              <a:t>Vrednost se čita pozivom allProducts(), selectedProduct(), searchPattern()</a:t>
+            </a:r>
+          </a:p>
+          <a:p>
+            <a:pPr marL="36900" indent="0">
+              <a:buNone/>
+            </a:pPr>
+            <a:r>
+              <a:rPr lang="sr-Latn-RS" dirty="0"/>
+              <a:t>	</a:t>
+            </a:r>
+          </a:p>
+          <a:p>
+            <a:endParaRPr lang="sr-Latn-RS" dirty="0"/>
+          </a:p>
+          <a:p>
+            <a:endParaRPr lang="sr-Latn-RS" dirty="0"/>
+          </a:p>
+          <a:p>
+            <a:pPr marL="36900" indent="0">
+              <a:buNone/>
+            </a:pPr>
+            <a:endParaRPr lang="sr-Latn-RS" dirty="0"/>
+          </a:p>
+        </p:txBody>
+      </p:sp>
+      <p:pic>
+        <p:nvPicPr>
+          <p:cNvPr id="9" name="Picture 8">
+            <a:extLst>
+              <a:ext uri="{FF2B5EF4-FFF2-40B4-BE49-F238E27FC236}">
+                <a16:creationId xmlns:a16="http://schemas.microsoft.com/office/drawing/2014/main" id="{DA0F0E95-B302-E781-B7D0-78F6F752FE93}"/>
+              </a:ext>
+            </a:extLst>
+          </p:cNvPr>
+          <p:cNvPicPr>
+            <a:picLocks noChangeAspect="1"/>
+          </p:cNvPicPr>
+          <p:nvPr/>
+        </p:nvPicPr>
+        <p:blipFill>
+          <a:blip r:embed="rId2"/>
+          <a:stretch>
+            <a:fillRect/>
+          </a:stretch>
+        </p:blipFill>
+        <p:spPr>
+          <a:xfrm>
+            <a:off x="1015764" y="3224174"/>
+            <a:ext cx="5863574" cy="833476"/>
+          </a:xfrm>
+          <a:prstGeom prst="rect">
+            <a:avLst/>
+          </a:prstGeom>
+        </p:spPr>
+      </p:pic>
+      <p:pic>
+        <p:nvPicPr>
+          <p:cNvPr id="18" name="Picture 17">
+            <a:extLst>
+              <a:ext uri="{FF2B5EF4-FFF2-40B4-BE49-F238E27FC236}">
+                <a16:creationId xmlns:a16="http://schemas.microsoft.com/office/drawing/2014/main" id="{80720700-9583-0925-6543-28DFEBC38065}"/>
+              </a:ext>
+            </a:extLst>
+          </p:cNvPr>
+          <p:cNvPicPr>
+            <a:picLocks noChangeAspect="1"/>
+          </p:cNvPicPr>
+          <p:nvPr/>
+        </p:nvPicPr>
+        <p:blipFill>
+          <a:blip r:embed="rId3"/>
+          <a:stretch>
+            <a:fillRect/>
+          </a:stretch>
+        </p:blipFill>
+        <p:spPr>
+          <a:xfrm>
+            <a:off x="1015764" y="4919582"/>
+            <a:ext cx="3581900" cy="1152686"/>
+          </a:xfrm>
+          <a:prstGeom prst="rect">
+            <a:avLst/>
+          </a:prstGeom>
+        </p:spPr>
+      </p:pic>
+      <p:pic>
+        <p:nvPicPr>
+          <p:cNvPr id="20" name="Picture 19">
+            <a:extLst>
+              <a:ext uri="{FF2B5EF4-FFF2-40B4-BE49-F238E27FC236}">
+                <a16:creationId xmlns:a16="http://schemas.microsoft.com/office/drawing/2014/main" id="{401567E4-3438-5635-B1C7-BA4224EF32CF}"/>
+              </a:ext>
+            </a:extLst>
+          </p:cNvPr>
+          <p:cNvPicPr>
+            <a:picLocks noChangeAspect="1"/>
+          </p:cNvPicPr>
+          <p:nvPr/>
+        </p:nvPicPr>
+        <p:blipFill>
+          <a:blip r:embed="rId4"/>
+          <a:stretch>
+            <a:fillRect/>
+          </a:stretch>
+        </p:blipFill>
+        <p:spPr>
+          <a:xfrm>
+            <a:off x="4699633" y="4919582"/>
+            <a:ext cx="6935168" cy="666843"/>
+          </a:xfrm>
+          <a:prstGeom prst="rect">
+            <a:avLst/>
+          </a:prstGeom>
+        </p:spPr>
+      </p:pic>
+    </p:spTree>
+    <p:extLst>
+      <p:ext uri="{BB962C8B-B14F-4D97-AF65-F5344CB8AC3E}">
+        <p14:creationId xmlns:p14="http://schemas.microsoft.com/office/powerpoint/2010/main" val="866775335"/>
+      </p:ext>
+    </p:extLst>
+  </p:cSld>
+  <p:clrMapOvr>
+    <a:masterClrMapping/>
+  </p:clrMapOvr>
+</p:sld>
+</file>
+
+<file path=ppt/slides/slide11.xml><?xml version="1.0" encoding="utf-8"?>
+<p:sld xmlns:a="http://schemas.openxmlformats.org/drawingml/2006/main" xmlns:r="http://schemas.openxmlformats.org/officeDocument/2006/relationships" xmlns:p="http://schemas.openxmlformats.org/presentationml/2006/main">
+  <p:cSld>
+    <p:spTree>
+      <p:nvGrpSpPr>
+        <p:cNvPr id="1" name=""/>
+        <p:cNvGrpSpPr/>
+        <p:nvPr/>
+      </p:nvGrpSpPr>
+      <p:grpSpPr>
+        <a:xfrm>
+          <a:off x="0" y="0"/>
+          <a:ext cx="0" cy="0"/>
+          <a:chOff x="0" y="0"/>
+          <a:chExt cx="0" cy="0"/>
+        </a:xfrm>
+      </p:grpSpPr>
+      <p:sp>
+        <p:nvSpPr>
+          <p:cNvPr id="4" name="Title 3">
+            <a:extLst>
+              <a:ext uri="{FF2B5EF4-FFF2-40B4-BE49-F238E27FC236}">
+                <a16:creationId xmlns:a16="http://schemas.microsoft.com/office/drawing/2014/main" id="{9B5EBD4B-6BAD-6D22-DCFF-33A1C3A7FDE4}"/>
+              </a:ext>
+            </a:extLst>
+          </p:cNvPr>
+          <p:cNvSpPr>
+            <a:spLocks noGrp="1"/>
+          </p:cNvSpPr>
+          <p:nvPr>
+            <p:ph type="title"/>
+          </p:nvPr>
+        </p:nvSpPr>
+        <p:spPr/>
+        <p:txBody>
+          <a:bodyPr/>
+          <a:lstStyle/>
+          <a:p>
+            <a:r>
+              <a:rPr lang="sr-Latn-RS" dirty="0"/>
+              <a:t>Angular Signals</a:t>
+            </a:r>
+            <a:endParaRPr lang="en-US" dirty="0"/>
+          </a:p>
+        </p:txBody>
+      </p:sp>
+      <p:sp>
+        <p:nvSpPr>
+          <p:cNvPr id="5" name="Text Placeholder 4">
+            <a:extLst>
+              <a:ext uri="{FF2B5EF4-FFF2-40B4-BE49-F238E27FC236}">
+                <a16:creationId xmlns:a16="http://schemas.microsoft.com/office/drawing/2014/main" id="{31E340F0-DC9B-BCA2-E3BE-10B2E6E6F2D3}"/>
+              </a:ext>
+            </a:extLst>
+          </p:cNvPr>
+          <p:cNvSpPr>
+            <a:spLocks noGrp="1"/>
+          </p:cNvSpPr>
+          <p:nvPr>
+            <p:ph type="body" idx="1"/>
+          </p:nvPr>
+        </p:nvSpPr>
+        <p:spPr/>
+        <p:txBody>
+          <a:bodyPr/>
+          <a:lstStyle/>
+          <a:p>
+            <a:r>
+              <a:rPr lang="sr-Latn-RS" dirty="0"/>
+              <a:t>Writable </a:t>
+            </a:r>
+            <a:endParaRPr lang="en-US" dirty="0"/>
+          </a:p>
+        </p:txBody>
+      </p:sp>
+      <p:sp>
+        <p:nvSpPr>
+          <p:cNvPr id="8" name="Text Placeholder 7">
+            <a:extLst>
+              <a:ext uri="{FF2B5EF4-FFF2-40B4-BE49-F238E27FC236}">
+                <a16:creationId xmlns:a16="http://schemas.microsoft.com/office/drawing/2014/main" id="{A0925CDE-D553-28B4-7EC3-58DE8DDA8C89}"/>
+              </a:ext>
+            </a:extLst>
+          </p:cNvPr>
+          <p:cNvSpPr>
+            <a:spLocks noGrp="1"/>
+          </p:cNvSpPr>
+          <p:nvPr>
+            <p:ph type="body" sz="half" idx="15"/>
+          </p:nvPr>
+        </p:nvSpPr>
+        <p:spPr/>
+        <p:txBody>
+          <a:bodyPr/>
+          <a:lstStyle/>
+          <a:p>
+            <a:endParaRPr lang="en-US" dirty="0"/>
+          </a:p>
+        </p:txBody>
+      </p:sp>
+      <p:sp>
+        <p:nvSpPr>
+          <p:cNvPr id="6" name="Text Placeholder 5">
+            <a:extLst>
+              <a:ext uri="{FF2B5EF4-FFF2-40B4-BE49-F238E27FC236}">
+                <a16:creationId xmlns:a16="http://schemas.microsoft.com/office/drawing/2014/main" id="{C761CAF2-A07D-9ABB-252A-CDA9F7034939}"/>
+              </a:ext>
+            </a:extLst>
+          </p:cNvPr>
+          <p:cNvSpPr>
+            <a:spLocks noGrp="1"/>
+          </p:cNvSpPr>
+          <p:nvPr>
+            <p:ph type="body" sz="quarter" idx="3"/>
+          </p:nvPr>
+        </p:nvSpPr>
+        <p:spPr>
+          <a:xfrm>
+            <a:off x="5026349" y="1856939"/>
+            <a:ext cx="3300984" cy="764783"/>
+          </a:xfrm>
+        </p:spPr>
+        <p:txBody>
+          <a:bodyPr/>
+          <a:lstStyle/>
+          <a:p>
+            <a:r>
+              <a:rPr lang="sr-Latn-RS" dirty="0"/>
+              <a:t>Computed</a:t>
+            </a:r>
+            <a:endParaRPr lang="en-US" dirty="0"/>
+          </a:p>
+        </p:txBody>
+      </p:sp>
+      <p:sp>
+        <p:nvSpPr>
+          <p:cNvPr id="9" name="Text Placeholder 8">
+            <a:extLst>
+              <a:ext uri="{FF2B5EF4-FFF2-40B4-BE49-F238E27FC236}">
+                <a16:creationId xmlns:a16="http://schemas.microsoft.com/office/drawing/2014/main" id="{EDF617E5-1E95-35AF-5726-382BCA50D0DA}"/>
+              </a:ext>
+            </a:extLst>
+          </p:cNvPr>
+          <p:cNvSpPr>
+            <a:spLocks noGrp="1"/>
+          </p:cNvSpPr>
+          <p:nvPr>
+            <p:ph type="body" sz="half" idx="16"/>
+          </p:nvPr>
+        </p:nvSpPr>
+        <p:spPr>
+          <a:xfrm>
+            <a:off x="4441434" y="2768112"/>
+            <a:ext cx="4425122" cy="3023088"/>
+          </a:xfrm>
+        </p:spPr>
+        <p:txBody>
+          <a:bodyPr/>
+          <a:lstStyle/>
+          <a:p>
+            <a:endParaRPr lang="en-US" dirty="0"/>
+          </a:p>
+        </p:txBody>
+      </p:sp>
+      <p:sp>
+        <p:nvSpPr>
+          <p:cNvPr id="7" name="Text Placeholder 6">
+            <a:extLst>
+              <a:ext uri="{FF2B5EF4-FFF2-40B4-BE49-F238E27FC236}">
+                <a16:creationId xmlns:a16="http://schemas.microsoft.com/office/drawing/2014/main" id="{A516F040-C623-1AEA-169F-EB8F810047C1}"/>
+              </a:ext>
+            </a:extLst>
+          </p:cNvPr>
+          <p:cNvSpPr>
+            <a:spLocks noGrp="1"/>
+          </p:cNvSpPr>
+          <p:nvPr>
+            <p:ph type="body" sz="quarter" idx="13"/>
+          </p:nvPr>
+        </p:nvSpPr>
+        <p:spPr>
+          <a:xfrm>
+            <a:off x="8538331" y="1856940"/>
+            <a:ext cx="3300984" cy="764782"/>
+          </a:xfrm>
+        </p:spPr>
+        <p:txBody>
+          <a:bodyPr/>
+          <a:lstStyle/>
+          <a:p>
+            <a:r>
+              <a:rPr lang="sr-Latn-RS" dirty="0"/>
+              <a:t>Effect</a:t>
+            </a:r>
+            <a:endParaRPr lang="en-US" dirty="0"/>
+          </a:p>
+        </p:txBody>
+      </p:sp>
+      <p:sp>
+        <p:nvSpPr>
+          <p:cNvPr id="10" name="Text Placeholder 9">
+            <a:extLst>
+              <a:ext uri="{FF2B5EF4-FFF2-40B4-BE49-F238E27FC236}">
+                <a16:creationId xmlns:a16="http://schemas.microsoft.com/office/drawing/2014/main" id="{6A6BA031-D131-327B-DDEF-F7145A138ECA}"/>
+              </a:ext>
+            </a:extLst>
+          </p:cNvPr>
+          <p:cNvSpPr>
+            <a:spLocks noGrp="1"/>
+          </p:cNvSpPr>
+          <p:nvPr>
+            <p:ph type="body" sz="half" idx="17"/>
+          </p:nvPr>
+        </p:nvSpPr>
+        <p:spPr>
+          <a:xfrm>
+            <a:off x="8995272" y="2797448"/>
+            <a:ext cx="2387103" cy="3023089"/>
+          </a:xfrm>
+        </p:spPr>
+        <p:txBody>
+          <a:bodyPr/>
+          <a:lstStyle/>
+          <a:p>
+            <a:endParaRPr lang="en-US" dirty="0"/>
+          </a:p>
+        </p:txBody>
+      </p:sp>
+      <p:pic>
+        <p:nvPicPr>
+          <p:cNvPr id="12" name="Picture 11">
+            <a:extLst>
+              <a:ext uri="{FF2B5EF4-FFF2-40B4-BE49-F238E27FC236}">
+                <a16:creationId xmlns:a16="http://schemas.microsoft.com/office/drawing/2014/main" id="{402DB338-F7A9-9CA6-DC24-ABEFD2F3E314}"/>
+              </a:ext>
+            </a:extLst>
+          </p:cNvPr>
+          <p:cNvPicPr>
+            <a:picLocks noChangeAspect="1"/>
+          </p:cNvPicPr>
+          <p:nvPr/>
+        </p:nvPicPr>
+        <p:blipFill>
+          <a:blip r:embed="rId2"/>
+          <a:stretch>
+            <a:fillRect/>
+          </a:stretch>
+        </p:blipFill>
+        <p:spPr>
+          <a:xfrm>
+            <a:off x="913795" y="3429000"/>
+            <a:ext cx="3172268" cy="219106"/>
+          </a:xfrm>
+          <a:prstGeom prst="rect">
+            <a:avLst/>
+          </a:prstGeom>
+        </p:spPr>
+      </p:pic>
+      <p:pic>
+        <p:nvPicPr>
+          <p:cNvPr id="14" name="Picture 13">
+            <a:extLst>
+              <a:ext uri="{FF2B5EF4-FFF2-40B4-BE49-F238E27FC236}">
+                <a16:creationId xmlns:a16="http://schemas.microsoft.com/office/drawing/2014/main" id="{5FC2FCE5-3AD2-4651-1F8C-C227D9859F8E}"/>
+              </a:ext>
+            </a:extLst>
+          </p:cNvPr>
+          <p:cNvPicPr>
+            <a:picLocks noChangeAspect="1"/>
+          </p:cNvPicPr>
+          <p:nvPr/>
+        </p:nvPicPr>
+        <p:blipFill>
+          <a:blip r:embed="rId3"/>
+          <a:stretch>
+            <a:fillRect/>
+          </a:stretch>
+        </p:blipFill>
+        <p:spPr>
+          <a:xfrm>
+            <a:off x="993188" y="3952575"/>
+            <a:ext cx="3138612" cy="712837"/>
+          </a:xfrm>
+          <a:prstGeom prst="rect">
+            <a:avLst/>
+          </a:prstGeom>
+        </p:spPr>
+      </p:pic>
+      <p:pic>
+        <p:nvPicPr>
+          <p:cNvPr id="16" name="Picture 15">
+            <a:extLst>
+              <a:ext uri="{FF2B5EF4-FFF2-40B4-BE49-F238E27FC236}">
+                <a16:creationId xmlns:a16="http://schemas.microsoft.com/office/drawing/2014/main" id="{86DBD64C-4746-BF6E-8F8C-97856B2DB2EE}"/>
+              </a:ext>
+            </a:extLst>
+          </p:cNvPr>
+          <p:cNvPicPr>
+            <a:picLocks noChangeAspect="1"/>
+          </p:cNvPicPr>
+          <p:nvPr/>
+        </p:nvPicPr>
+        <p:blipFill>
+          <a:blip r:embed="rId4"/>
+          <a:stretch>
+            <a:fillRect/>
+          </a:stretch>
+        </p:blipFill>
+        <p:spPr>
+          <a:xfrm>
+            <a:off x="4487127" y="3429000"/>
+            <a:ext cx="4379429" cy="1674488"/>
+          </a:xfrm>
+          <a:prstGeom prst="rect">
+            <a:avLst/>
+          </a:prstGeom>
+        </p:spPr>
+      </p:pic>
+      <p:pic>
+        <p:nvPicPr>
+          <p:cNvPr id="18" name="Picture 17">
+            <a:extLst>
+              <a:ext uri="{FF2B5EF4-FFF2-40B4-BE49-F238E27FC236}">
+                <a16:creationId xmlns:a16="http://schemas.microsoft.com/office/drawing/2014/main" id="{C0325EB0-779D-5290-8EE5-44ACE4122472}"/>
+              </a:ext>
+            </a:extLst>
+          </p:cNvPr>
+          <p:cNvPicPr>
+            <a:picLocks noChangeAspect="1"/>
+          </p:cNvPicPr>
+          <p:nvPr/>
+        </p:nvPicPr>
+        <p:blipFill>
+          <a:blip r:embed="rId5"/>
+          <a:stretch>
+            <a:fillRect/>
+          </a:stretch>
+        </p:blipFill>
+        <p:spPr>
+          <a:xfrm>
+            <a:off x="9076206" y="3429000"/>
+            <a:ext cx="2225233" cy="861135"/>
+          </a:xfrm>
+          <a:prstGeom prst="rect">
+            <a:avLst/>
+          </a:prstGeom>
+        </p:spPr>
+      </p:pic>
+    </p:spTree>
+    <p:extLst>
+      <p:ext uri="{BB962C8B-B14F-4D97-AF65-F5344CB8AC3E}">
+        <p14:creationId xmlns:p14="http://schemas.microsoft.com/office/powerpoint/2010/main" val="1247651379"/>
+      </p:ext>
+    </p:extLst>
+  </p:cSld>
+  <p:clrMapOvr>
+    <a:masterClrMapping/>
+  </p:clrMapOvr>
+</p:sld>
+</file>
+
+<file path=ppt/slides/slide12.xml><?xml version="1.0" encoding="utf-8"?>
+<p:sld xmlns:a="http://schemas.openxmlformats.org/drawingml/2006/main" xmlns:r="http://schemas.openxmlformats.org/officeDocument/2006/relationships" xmlns:p="http://schemas.openxmlformats.org/presentationml/2006/main">
+  <p:cSld>
+    <p:spTree>
+      <p:nvGrpSpPr>
+        <p:cNvPr id="1" name=""/>
+        <p:cNvGrpSpPr/>
+        <p:nvPr/>
+      </p:nvGrpSpPr>
+      <p:grpSpPr>
+        <a:xfrm>
+          <a:off x="0" y="0"/>
+          <a:ext cx="0" cy="0"/>
+          <a:chOff x="0" y="0"/>
+          <a:chExt cx="0" cy="0"/>
+        </a:xfrm>
+      </p:grpSpPr>
+      <p:sp>
+        <p:nvSpPr>
+          <p:cNvPr id="2" name="Title 1">
+            <a:extLst>
+              <a:ext uri="{FF2B5EF4-FFF2-40B4-BE49-F238E27FC236}">
+                <a16:creationId xmlns:a16="http://schemas.microsoft.com/office/drawing/2014/main" id="{71CA2D53-A079-ECE7-7426-9E79B8E64AA8}"/>
+              </a:ext>
+            </a:extLst>
+          </p:cNvPr>
+          <p:cNvSpPr>
+            <a:spLocks noGrp="1"/>
+          </p:cNvSpPr>
+          <p:nvPr>
+            <p:ph type="title"/>
+          </p:nvPr>
+        </p:nvSpPr>
+        <p:spPr/>
+        <p:txBody>
+          <a:bodyPr/>
+          <a:lstStyle/>
+          <a:p>
+            <a:r>
+              <a:rPr lang="sr-Latn-RS" dirty="0"/>
+              <a:t>Angular Signals</a:t>
+            </a:r>
+            <a:endParaRPr lang="en-US" dirty="0"/>
+          </a:p>
+        </p:txBody>
+      </p:sp>
+      <p:sp>
+        <p:nvSpPr>
+          <p:cNvPr id="3" name="Content Placeholder 2">
+            <a:extLst>
+              <a:ext uri="{FF2B5EF4-FFF2-40B4-BE49-F238E27FC236}">
+                <a16:creationId xmlns:a16="http://schemas.microsoft.com/office/drawing/2014/main" id="{68D1C8AE-7926-4149-87BB-BD760390C025}"/>
+              </a:ext>
+            </a:extLst>
+          </p:cNvPr>
+          <p:cNvSpPr>
+            <a:spLocks noGrp="1"/>
+          </p:cNvSpPr>
+          <p:nvPr>
+            <p:ph idx="1"/>
+          </p:nvPr>
+        </p:nvSpPr>
+        <p:spPr/>
+        <p:txBody>
+          <a:bodyPr/>
+          <a:lstStyle/>
+          <a:p>
+            <a:r>
+              <a:rPr lang="sr-Latn-RS" dirty="0"/>
+              <a:t>Writable signal</a:t>
+            </a:r>
+          </a:p>
+          <a:p>
+            <a:r>
+              <a:rPr lang="sr-Latn-RS" dirty="0"/>
+              <a:t>Vrednost se menja pomoću: </a:t>
+            </a:r>
+          </a:p>
+          <a:p>
+            <a:pPr marL="450000" lvl="1" indent="0">
+              <a:buNone/>
+            </a:pPr>
+            <a:r>
+              <a:rPr lang="sr-Latn-RS" dirty="0"/>
+              <a:t>set(new value)												update(fn)								</a:t>
+            </a:r>
+          </a:p>
+          <a:p>
+            <a:pPr lvl="1"/>
+            <a:endParaRPr lang="sr-Latn-RS" dirty="0"/>
+          </a:p>
+          <a:p>
+            <a:pPr lvl="1"/>
+            <a:endParaRPr lang="en-US" dirty="0"/>
+          </a:p>
+        </p:txBody>
+      </p:sp>
+      <p:pic>
+        <p:nvPicPr>
+          <p:cNvPr id="5" name="Picture 4">
+            <a:extLst>
+              <a:ext uri="{FF2B5EF4-FFF2-40B4-BE49-F238E27FC236}">
+                <a16:creationId xmlns:a16="http://schemas.microsoft.com/office/drawing/2014/main" id="{BE909784-C9E2-F2E9-CE0C-EAB26543CD60}"/>
+              </a:ext>
+            </a:extLst>
+          </p:cNvPr>
+          <p:cNvPicPr>
+            <a:picLocks noChangeAspect="1"/>
+          </p:cNvPicPr>
+          <p:nvPr/>
+        </p:nvPicPr>
+        <p:blipFill>
+          <a:blip r:embed="rId2"/>
+          <a:stretch>
+            <a:fillRect/>
+          </a:stretch>
+        </p:blipFill>
+        <p:spPr>
+          <a:xfrm>
+            <a:off x="1295141" y="3885629"/>
+            <a:ext cx="3715268" cy="1343212"/>
+          </a:xfrm>
+          <a:prstGeom prst="rect">
+            <a:avLst/>
+          </a:prstGeom>
+        </p:spPr>
+      </p:pic>
+      <p:pic>
+        <p:nvPicPr>
+          <p:cNvPr id="9" name="Picture 8">
+            <a:extLst>
+              <a:ext uri="{FF2B5EF4-FFF2-40B4-BE49-F238E27FC236}">
+                <a16:creationId xmlns:a16="http://schemas.microsoft.com/office/drawing/2014/main" id="{F23B271C-9322-33F1-F73A-369FF6E29D83}"/>
+              </a:ext>
+            </a:extLst>
+          </p:cNvPr>
+          <p:cNvPicPr>
+            <a:picLocks noChangeAspect="1"/>
+          </p:cNvPicPr>
+          <p:nvPr/>
+        </p:nvPicPr>
+        <p:blipFill>
+          <a:blip r:embed="rId3"/>
+          <a:stretch>
+            <a:fillRect/>
+          </a:stretch>
+        </p:blipFill>
+        <p:spPr>
+          <a:xfrm>
+            <a:off x="6369590" y="3885629"/>
+            <a:ext cx="4897967" cy="2210944"/>
+          </a:xfrm>
+          <a:prstGeom prst="rect">
+            <a:avLst/>
+          </a:prstGeom>
+        </p:spPr>
+      </p:pic>
+    </p:spTree>
+    <p:extLst>
+      <p:ext uri="{BB962C8B-B14F-4D97-AF65-F5344CB8AC3E}">
+        <p14:creationId xmlns:p14="http://schemas.microsoft.com/office/powerpoint/2010/main" val="879616498"/>
+      </p:ext>
+    </p:extLst>
+  </p:cSld>
+  <p:clrMapOvr>
+    <a:masterClrMapping/>
+  </p:clrMapOvr>
+</p:sld>
+</file>
+
+<file path=ppt/slides/slide13.xml><?xml version="1.0" encoding="utf-8"?>
+<p:sld xmlns:a="http://schemas.openxmlformats.org/drawingml/2006/main" xmlns:r="http://schemas.openxmlformats.org/officeDocument/2006/relationships" xmlns:p="http://schemas.openxmlformats.org/presentationml/2006/main">
+  <p:cSld>
+    <p:spTree>
+      <p:nvGrpSpPr>
+        <p:cNvPr id="1" name=""/>
+        <p:cNvGrpSpPr/>
+        <p:nvPr/>
+      </p:nvGrpSpPr>
+      <p:grpSpPr>
+        <a:xfrm>
+          <a:off x="0" y="0"/>
+          <a:ext cx="0" cy="0"/>
+          <a:chOff x="0" y="0"/>
+          <a:chExt cx="0" cy="0"/>
+        </a:xfrm>
+      </p:grpSpPr>
+      <p:sp>
+        <p:nvSpPr>
+          <p:cNvPr id="2" name="Title 1">
+            <a:extLst>
+              <a:ext uri="{FF2B5EF4-FFF2-40B4-BE49-F238E27FC236}">
+                <a16:creationId xmlns:a16="http://schemas.microsoft.com/office/drawing/2014/main" id="{DB5E1014-6567-93DA-680E-5EBA659FE79C}"/>
+              </a:ext>
+            </a:extLst>
+          </p:cNvPr>
+          <p:cNvSpPr>
+            <a:spLocks noGrp="1"/>
+          </p:cNvSpPr>
+          <p:nvPr>
+            <p:ph type="title"/>
+          </p:nvPr>
+        </p:nvSpPr>
+        <p:spPr/>
+        <p:txBody>
+          <a:bodyPr/>
+          <a:lstStyle/>
+          <a:p>
+            <a:r>
+              <a:rPr lang="sr-Latn-RS" dirty="0"/>
+              <a:t>RxJS i Angular Signals</a:t>
+            </a:r>
+            <a:endParaRPr lang="en-US" dirty="0"/>
+          </a:p>
+        </p:txBody>
+      </p:sp>
+      <p:sp>
+        <p:nvSpPr>
+          <p:cNvPr id="7" name="Content Placeholder 6">
+            <a:extLst>
+              <a:ext uri="{FF2B5EF4-FFF2-40B4-BE49-F238E27FC236}">
+                <a16:creationId xmlns:a16="http://schemas.microsoft.com/office/drawing/2014/main" id="{FE50E402-E6EC-51DC-07DA-8294F0A53343}"/>
+              </a:ext>
+            </a:extLst>
+          </p:cNvPr>
+          <p:cNvSpPr>
+            <a:spLocks noGrp="1"/>
+          </p:cNvSpPr>
+          <p:nvPr>
+            <p:ph idx="1"/>
+          </p:nvPr>
+        </p:nvSpPr>
+        <p:spPr/>
+        <p:txBody>
+          <a:bodyPr/>
+          <a:lstStyle/>
+          <a:p>
+            <a:endParaRPr lang="en-US" dirty="0"/>
+          </a:p>
+        </p:txBody>
+      </p:sp>
+      <p:pic>
+        <p:nvPicPr>
+          <p:cNvPr id="8" name="Picture 7">
+            <a:extLst>
+              <a:ext uri="{FF2B5EF4-FFF2-40B4-BE49-F238E27FC236}">
+                <a16:creationId xmlns:a16="http://schemas.microsoft.com/office/drawing/2014/main" id="{383A9B5B-FBE1-585A-BACF-951953CB5661}"/>
+              </a:ext>
+            </a:extLst>
+          </p:cNvPr>
+          <p:cNvPicPr>
+            <a:picLocks noChangeAspect="1"/>
+          </p:cNvPicPr>
+          <p:nvPr/>
+        </p:nvPicPr>
+        <p:blipFill>
+          <a:blip r:embed="rId2"/>
+          <a:stretch>
+            <a:fillRect/>
+          </a:stretch>
+        </p:blipFill>
+        <p:spPr>
+          <a:xfrm>
+            <a:off x="1056937" y="2276037"/>
+            <a:ext cx="4839375" cy="1609950"/>
+          </a:xfrm>
+          <a:prstGeom prst="rect">
+            <a:avLst/>
+          </a:prstGeom>
+        </p:spPr>
+      </p:pic>
+      <p:pic>
+        <p:nvPicPr>
+          <p:cNvPr id="9" name="Picture 8">
+            <a:extLst>
+              <a:ext uri="{FF2B5EF4-FFF2-40B4-BE49-F238E27FC236}">
+                <a16:creationId xmlns:a16="http://schemas.microsoft.com/office/drawing/2014/main" id="{2F25B052-FE27-01E5-3A22-ED573651FFBF}"/>
+              </a:ext>
+            </a:extLst>
+          </p:cNvPr>
+          <p:cNvPicPr>
+            <a:picLocks noChangeAspect="1"/>
+          </p:cNvPicPr>
+          <p:nvPr/>
+        </p:nvPicPr>
+        <p:blipFill>
+          <a:blip r:embed="rId3"/>
+          <a:stretch>
+            <a:fillRect/>
+          </a:stretch>
+        </p:blipFill>
+        <p:spPr>
+          <a:xfrm>
+            <a:off x="1056937" y="4095537"/>
+            <a:ext cx="6773220" cy="1524213"/>
+          </a:xfrm>
+          <a:prstGeom prst="rect">
+            <a:avLst/>
+          </a:prstGeom>
+        </p:spPr>
+      </p:pic>
+    </p:spTree>
+    <p:extLst>
+      <p:ext uri="{BB962C8B-B14F-4D97-AF65-F5344CB8AC3E}">
+        <p14:creationId xmlns:p14="http://schemas.microsoft.com/office/powerpoint/2010/main" val="4279747321"/>
+      </p:ext>
+    </p:extLst>
+  </p:cSld>
+  <p:clrMapOvr>
+    <a:masterClrMapping/>
+  </p:clrMapOvr>
+</p:sld>
+</file>
+
+<file path=ppt/slides/slide14.xml><?xml version="1.0" encoding="utf-8"?>
+<p:sld xmlns:a="http://schemas.openxmlformats.org/drawingml/2006/main" xmlns:r="http://schemas.openxmlformats.org/officeDocument/2006/relationships" xmlns:p="http://schemas.openxmlformats.org/presentationml/2006/main">
+  <p:cSld>
+    <p:spTree>
+      <p:nvGrpSpPr>
+        <p:cNvPr id="1" name=""/>
+        <p:cNvGrpSpPr/>
+        <p:nvPr/>
+      </p:nvGrpSpPr>
+      <p:grpSpPr>
+        <a:xfrm>
+          <a:off x="0" y="0"/>
+          <a:ext cx="0" cy="0"/>
+          <a:chOff x="0" y="0"/>
+          <a:chExt cx="0" cy="0"/>
+        </a:xfrm>
+      </p:grpSpPr>
+      <p:pic>
+        <p:nvPicPr>
+          <p:cNvPr id="8" name="Picture 7">
+            <a:extLst>
+              <a:ext uri="{FF2B5EF4-FFF2-40B4-BE49-F238E27FC236}">
+                <a16:creationId xmlns:a16="http://schemas.microsoft.com/office/drawing/2014/main" id="{FD4FD635-0872-A4C8-1C39-51BA54084187}"/>
+              </a:ext>
+            </a:extLst>
+          </p:cNvPr>
+          <p:cNvPicPr>
+            <a:picLocks noChangeAspect="1"/>
+          </p:cNvPicPr>
+          <p:nvPr/>
+        </p:nvPicPr>
+        <p:blipFill>
+          <a:blip r:embed="rId2"/>
+          <a:stretch>
+            <a:fillRect/>
+          </a:stretch>
+        </p:blipFill>
+        <p:spPr>
+          <a:xfrm>
+            <a:off x="1352550" y="54503"/>
+            <a:ext cx="9587380" cy="6736821"/>
+          </a:xfrm>
+          <a:prstGeom prst="rect">
+            <a:avLst/>
+          </a:prstGeom>
+        </p:spPr>
+      </p:pic>
+    </p:spTree>
+    <p:extLst>
+      <p:ext uri="{BB962C8B-B14F-4D97-AF65-F5344CB8AC3E}">
+        <p14:creationId xmlns:p14="http://schemas.microsoft.com/office/powerpoint/2010/main" val="898305031"/>
+      </p:ext>
+    </p:extLst>
+  </p:cSld>
+  <p:clrMapOvr>
+    <a:masterClrMapping/>
+  </p:clrMapOvr>
+</p:sld>
+</file>
+
+<file path=ppt/slides/slide15.xml><?xml version="1.0" encoding="utf-8"?>
+<p:sld xmlns:a="http://schemas.openxmlformats.org/drawingml/2006/main" xmlns:r="http://schemas.openxmlformats.org/officeDocument/2006/relationships" xmlns:p="http://schemas.openxmlformats.org/presentationml/2006/main">
+  <p:cSld>
+    <p:spTree>
+      <p:nvGrpSpPr>
+        <p:cNvPr id="1" name=""/>
+        <p:cNvGrpSpPr/>
+        <p:nvPr/>
+      </p:nvGrpSpPr>
+      <p:grpSpPr>
+        <a:xfrm>
+          <a:off x="0" y="0"/>
+          <a:ext cx="0" cy="0"/>
+          <a:chOff x="0" y="0"/>
+          <a:chExt cx="0" cy="0"/>
+        </a:xfrm>
+      </p:grpSpPr>
+      <p:sp>
+        <p:nvSpPr>
+          <p:cNvPr id="2" name="Title 1">
+            <a:extLst>
+              <a:ext uri="{FF2B5EF4-FFF2-40B4-BE49-F238E27FC236}">
+                <a16:creationId xmlns:a16="http://schemas.microsoft.com/office/drawing/2014/main" id="{E584F07A-A2C2-6B50-3992-8C1C9ED82EA0}"/>
+              </a:ext>
+            </a:extLst>
+          </p:cNvPr>
+          <p:cNvSpPr>
+            <a:spLocks noGrp="1"/>
+          </p:cNvSpPr>
+          <p:nvPr>
+            <p:ph type="title"/>
+          </p:nvPr>
+        </p:nvSpPr>
+        <p:spPr>
+          <a:xfrm>
+            <a:off x="919119" y="322249"/>
+            <a:ext cx="10353762" cy="807463"/>
+          </a:xfrm>
+        </p:spPr>
+        <p:txBody>
+          <a:bodyPr>
+            <a:normAutofit/>
+          </a:bodyPr>
+          <a:lstStyle/>
+          <a:p>
+            <a:r>
+              <a:rPr lang="en-US" sz="3200" dirty="0" err="1"/>
+              <a:t>Pojednostavljenje</a:t>
+            </a:r>
+            <a:r>
+              <a:rPr lang="en-US" sz="3200" dirty="0"/>
+              <a:t> </a:t>
+            </a:r>
+            <a:r>
+              <a:rPr lang="en-US" sz="3200" dirty="0" err="1"/>
+              <a:t>koda</a:t>
+            </a:r>
+            <a:r>
+              <a:rPr lang="en-US" sz="3200" dirty="0"/>
+              <a:t>: Signals vs </a:t>
+            </a:r>
+            <a:r>
+              <a:rPr lang="en-US" sz="3200" dirty="0" err="1"/>
+              <a:t>RxJS</a:t>
+            </a:r>
+            <a:endParaRPr lang="en-US" sz="3200" dirty="0"/>
+          </a:p>
+        </p:txBody>
+      </p:sp>
+      <p:sp>
+        <p:nvSpPr>
+          <p:cNvPr id="4" name="Text Placeholder 3">
+            <a:extLst>
+              <a:ext uri="{FF2B5EF4-FFF2-40B4-BE49-F238E27FC236}">
+                <a16:creationId xmlns:a16="http://schemas.microsoft.com/office/drawing/2014/main" id="{B3B4B9EE-4F6F-FFCE-D72B-3BC2875623B1}"/>
+              </a:ext>
+            </a:extLst>
+          </p:cNvPr>
+          <p:cNvSpPr>
+            <a:spLocks noGrp="1"/>
+          </p:cNvSpPr>
+          <p:nvPr>
+            <p:ph type="body" idx="1"/>
+          </p:nvPr>
+        </p:nvSpPr>
+        <p:spPr>
+          <a:xfrm>
+            <a:off x="1046013" y="1629309"/>
+            <a:ext cx="4764764" cy="451685"/>
+          </a:xfrm>
+        </p:spPr>
+        <p:txBody>
+          <a:bodyPr/>
+          <a:lstStyle/>
+          <a:p>
+            <a:r>
+              <a:rPr lang="en-US" dirty="0" err="1"/>
+              <a:t>RxJS</a:t>
+            </a:r>
+            <a:endParaRPr lang="en-US" dirty="0"/>
+          </a:p>
+        </p:txBody>
+      </p:sp>
+      <p:pic>
+        <p:nvPicPr>
+          <p:cNvPr id="9" name="Content Placeholder 8">
+            <a:extLst>
+              <a:ext uri="{FF2B5EF4-FFF2-40B4-BE49-F238E27FC236}">
+                <a16:creationId xmlns:a16="http://schemas.microsoft.com/office/drawing/2014/main" id="{0753276C-962B-6296-ACC1-570DA9F45989}"/>
+              </a:ext>
+            </a:extLst>
+          </p:cNvPr>
+          <p:cNvPicPr>
+            <a:picLocks noGrp="1" noChangeAspect="1"/>
+          </p:cNvPicPr>
+          <p:nvPr>
+            <p:ph sz="half" idx="2"/>
+          </p:nvPr>
+        </p:nvPicPr>
+        <p:blipFill>
+          <a:blip r:embed="rId2"/>
+          <a:stretch>
+            <a:fillRect/>
+          </a:stretch>
+        </p:blipFill>
+        <p:spPr>
+          <a:xfrm>
+            <a:off x="919119" y="2080994"/>
+            <a:ext cx="4764087" cy="1454098"/>
+          </a:xfrm>
+          <a:prstGeom prst="rect">
+            <a:avLst/>
+          </a:prstGeom>
+          <a:effectLst>
+            <a:outerShdw blurRad="25400" dir="17880000">
+              <a:srgbClr val="000000">
+                <a:alpha val="46000"/>
+              </a:srgbClr>
+            </a:outerShdw>
+          </a:effectLst>
+        </p:spPr>
+      </p:pic>
+      <p:sp>
+        <p:nvSpPr>
+          <p:cNvPr id="6" name="Text Placeholder 5">
+            <a:extLst>
+              <a:ext uri="{FF2B5EF4-FFF2-40B4-BE49-F238E27FC236}">
+                <a16:creationId xmlns:a16="http://schemas.microsoft.com/office/drawing/2014/main" id="{EB9BF101-22D7-DC8C-571C-2B507BA120E0}"/>
+              </a:ext>
+            </a:extLst>
+          </p:cNvPr>
+          <p:cNvSpPr>
+            <a:spLocks noGrp="1"/>
+          </p:cNvSpPr>
+          <p:nvPr>
+            <p:ph type="body" sz="quarter" idx="3"/>
+          </p:nvPr>
+        </p:nvSpPr>
+        <p:spPr>
+          <a:xfrm>
+            <a:off x="6300413" y="1804389"/>
+            <a:ext cx="4779582" cy="276605"/>
+          </a:xfrm>
+        </p:spPr>
+        <p:txBody>
+          <a:bodyPr/>
+          <a:lstStyle/>
+          <a:p>
+            <a:r>
+              <a:rPr lang="en-US" dirty="0"/>
+              <a:t>Angular Signals</a:t>
+            </a:r>
+          </a:p>
+        </p:txBody>
+      </p:sp>
+      <p:pic>
+        <p:nvPicPr>
+          <p:cNvPr id="21" name="Content Placeholder 20">
+            <a:extLst>
+              <a:ext uri="{FF2B5EF4-FFF2-40B4-BE49-F238E27FC236}">
+                <a16:creationId xmlns:a16="http://schemas.microsoft.com/office/drawing/2014/main" id="{D8F89704-C21E-D6CD-354C-4A60FD42DA8B}"/>
+              </a:ext>
+            </a:extLst>
+          </p:cNvPr>
+          <p:cNvPicPr>
+            <a:picLocks noGrp="1" noChangeAspect="1"/>
+          </p:cNvPicPr>
+          <p:nvPr>
+            <p:ph sz="quarter" idx="4"/>
+          </p:nvPr>
+        </p:nvPicPr>
+        <p:blipFill>
+          <a:blip r:embed="rId3"/>
+          <a:stretch>
+            <a:fillRect/>
+          </a:stretch>
+        </p:blipFill>
+        <p:spPr>
+          <a:xfrm>
+            <a:off x="6240172" y="2080996"/>
+            <a:ext cx="4445758" cy="1857002"/>
+          </a:xfrm>
+          <a:prstGeom prst="rect">
+            <a:avLst/>
+          </a:prstGeom>
+          <a:effectLst>
+            <a:outerShdw blurRad="25400" dir="17880000">
+              <a:srgbClr val="000000">
+                <a:alpha val="46000"/>
+              </a:srgbClr>
+            </a:outerShdw>
+          </a:effectLst>
+        </p:spPr>
+      </p:pic>
+      <p:pic>
+        <p:nvPicPr>
+          <p:cNvPr id="23" name="Picture 22">
+            <a:extLst>
+              <a:ext uri="{FF2B5EF4-FFF2-40B4-BE49-F238E27FC236}">
+                <a16:creationId xmlns:a16="http://schemas.microsoft.com/office/drawing/2014/main" id="{5A4A8725-B494-0EF2-3191-04FEA65A14F9}"/>
+              </a:ext>
+            </a:extLst>
+          </p:cNvPr>
+          <p:cNvPicPr>
+            <a:picLocks noChangeAspect="1"/>
+          </p:cNvPicPr>
+          <p:nvPr/>
+        </p:nvPicPr>
+        <p:blipFill>
+          <a:blip r:embed="rId4"/>
+          <a:stretch>
+            <a:fillRect/>
+          </a:stretch>
+        </p:blipFill>
+        <p:spPr>
+          <a:xfrm>
+            <a:off x="6240171" y="3937998"/>
+            <a:ext cx="3687065" cy="1790290"/>
+          </a:xfrm>
+          <a:prstGeom prst="rect">
+            <a:avLst/>
+          </a:prstGeom>
+        </p:spPr>
+      </p:pic>
+      <p:pic>
+        <p:nvPicPr>
+          <p:cNvPr id="25" name="Picture 24">
+            <a:extLst>
+              <a:ext uri="{FF2B5EF4-FFF2-40B4-BE49-F238E27FC236}">
+                <a16:creationId xmlns:a16="http://schemas.microsoft.com/office/drawing/2014/main" id="{18F9058D-4796-465C-7671-46EC273238C8}"/>
+              </a:ext>
+            </a:extLst>
+          </p:cNvPr>
+          <p:cNvPicPr>
+            <a:picLocks noChangeAspect="1"/>
+          </p:cNvPicPr>
+          <p:nvPr/>
+        </p:nvPicPr>
+        <p:blipFill>
+          <a:blip r:embed="rId5"/>
+          <a:stretch>
+            <a:fillRect/>
+          </a:stretch>
+        </p:blipFill>
+        <p:spPr>
+          <a:xfrm>
+            <a:off x="8462684" y="4185063"/>
+            <a:ext cx="2810199" cy="505836"/>
+          </a:xfrm>
+          <a:prstGeom prst="rect">
+            <a:avLst/>
+          </a:prstGeom>
+        </p:spPr>
+      </p:pic>
+      <p:pic>
+        <p:nvPicPr>
+          <p:cNvPr id="5" name="Picture 4">
+            <a:extLst>
+              <a:ext uri="{FF2B5EF4-FFF2-40B4-BE49-F238E27FC236}">
+                <a16:creationId xmlns:a16="http://schemas.microsoft.com/office/drawing/2014/main" id="{2FC83FC6-0DED-0A36-E546-628C4604CC0D}"/>
+              </a:ext>
+            </a:extLst>
+          </p:cNvPr>
+          <p:cNvPicPr>
+            <a:picLocks noChangeAspect="1"/>
+          </p:cNvPicPr>
+          <p:nvPr/>
+        </p:nvPicPr>
+        <p:blipFill>
+          <a:blip r:embed="rId6"/>
+          <a:stretch>
+            <a:fillRect/>
+          </a:stretch>
+        </p:blipFill>
+        <p:spPr>
+          <a:xfrm>
+            <a:off x="960760" y="3762397"/>
+            <a:ext cx="4722446" cy="1857003"/>
+          </a:xfrm>
+          <a:prstGeom prst="rect">
+            <a:avLst/>
+          </a:prstGeom>
+        </p:spPr>
+      </p:pic>
+      <p:pic>
+        <p:nvPicPr>
+          <p:cNvPr id="7" name="Picture 6">
+            <a:extLst>
+              <a:ext uri="{FF2B5EF4-FFF2-40B4-BE49-F238E27FC236}">
+                <a16:creationId xmlns:a16="http://schemas.microsoft.com/office/drawing/2014/main" id="{7A0F582F-E1FD-21AC-50AC-33B3C00B3E9E}"/>
+              </a:ext>
+            </a:extLst>
+          </p:cNvPr>
+          <p:cNvPicPr>
+            <a:picLocks noChangeAspect="1"/>
+          </p:cNvPicPr>
+          <p:nvPr/>
+        </p:nvPicPr>
+        <p:blipFill>
+          <a:blip r:embed="rId7"/>
+          <a:stretch>
+            <a:fillRect/>
+          </a:stretch>
+        </p:blipFill>
+        <p:spPr>
+          <a:xfrm>
+            <a:off x="3428395" y="3762397"/>
+            <a:ext cx="2491137" cy="557291"/>
+          </a:xfrm>
+          <a:prstGeom prst="rect">
+            <a:avLst/>
+          </a:prstGeom>
+        </p:spPr>
+      </p:pic>
+    </p:spTree>
+    <p:extLst>
+      <p:ext uri="{BB962C8B-B14F-4D97-AF65-F5344CB8AC3E}">
+        <p14:creationId xmlns:p14="http://schemas.microsoft.com/office/powerpoint/2010/main" val="833347060"/>
+      </p:ext>
+    </p:extLst>
+  </p:cSld>
+  <p:clrMapOvr>
+    <a:masterClrMapping/>
+  </p:clrMapOvr>
+</p:sld>
+</file>
+
+<file path=ppt/slides/slide16.xml><?xml version="1.0" encoding="utf-8"?>
+<p:sld xmlns:a="http://schemas.openxmlformats.org/drawingml/2006/main" xmlns:r="http://schemas.openxmlformats.org/officeDocument/2006/relationships" xmlns:p="http://schemas.openxmlformats.org/presentationml/2006/main">
+  <p:cSld>
+    <p:spTree>
+      <p:nvGrpSpPr>
+        <p:cNvPr id="1" name=""/>
+        <p:cNvGrpSpPr/>
+        <p:nvPr/>
+      </p:nvGrpSpPr>
+      <p:grpSpPr>
+        <a:xfrm>
+          <a:off x="0" y="0"/>
+          <a:ext cx="0" cy="0"/>
+          <a:chOff x="0" y="0"/>
+          <a:chExt cx="0" cy="0"/>
+        </a:xfrm>
+      </p:grpSpPr>
+      <p:sp>
+        <p:nvSpPr>
+          <p:cNvPr id="2" name="Title 1">
+            <a:extLst>
+              <a:ext uri="{FF2B5EF4-FFF2-40B4-BE49-F238E27FC236}">
+                <a16:creationId xmlns:a16="http://schemas.microsoft.com/office/drawing/2014/main" id="{4A721DE3-6CCD-FE0A-9E79-0C409CE6D201}"/>
+              </a:ext>
+            </a:extLst>
+          </p:cNvPr>
+          <p:cNvSpPr>
+            <a:spLocks noGrp="1"/>
+          </p:cNvSpPr>
+          <p:nvPr>
+            <p:ph type="title"/>
+          </p:nvPr>
+        </p:nvSpPr>
+        <p:spPr/>
+        <p:txBody>
+          <a:bodyPr/>
+          <a:lstStyle/>
+          <a:p>
+            <a:r>
+              <a:rPr lang="sr-Latn-RS" dirty="0"/>
+              <a:t>Zaključak</a:t>
+            </a:r>
+            <a:endParaRPr lang="en-US" dirty="0"/>
+          </a:p>
+        </p:txBody>
+      </p:sp>
+      <p:sp>
+        <p:nvSpPr>
+          <p:cNvPr id="3" name="Content Placeholder 2">
+            <a:extLst>
+              <a:ext uri="{FF2B5EF4-FFF2-40B4-BE49-F238E27FC236}">
+                <a16:creationId xmlns:a16="http://schemas.microsoft.com/office/drawing/2014/main" id="{C6D8CAAB-881A-807F-EB55-F2C0A1AAF087}"/>
+              </a:ext>
+            </a:extLst>
+          </p:cNvPr>
+          <p:cNvSpPr>
+            <a:spLocks noGrp="1"/>
+          </p:cNvSpPr>
+          <p:nvPr>
+            <p:ph idx="1"/>
+          </p:nvPr>
+        </p:nvSpPr>
+        <p:spPr/>
+        <p:txBody>
+          <a:bodyPr/>
+          <a:lstStyle/>
+          <a:p>
+            <a:r>
+              <a:rPr lang="sr-Latn-RS" dirty="0"/>
+              <a:t>Signali nisu zamena za RxJS</a:t>
+            </a:r>
+          </a:p>
+          <a:p>
+            <a:r>
+              <a:rPr lang="sr-Latn-RS" dirty="0"/>
+              <a:t>RxJS + Angular Signals = čistiji, čitljiviji i efikasniji kod</a:t>
+            </a:r>
+            <a:endParaRPr lang="en-US" dirty="0"/>
+          </a:p>
+        </p:txBody>
+      </p:sp>
+    </p:spTree>
+    <p:extLst>
+      <p:ext uri="{BB962C8B-B14F-4D97-AF65-F5344CB8AC3E}">
+        <p14:creationId xmlns:p14="http://schemas.microsoft.com/office/powerpoint/2010/main" val="1797198424"/>
+      </p:ext>
+    </p:extLst>
+  </p:cSld>
+  <p:clrMapOvr>
+    <a:masterClrMapping/>
+  </p:clrMapOvr>
+</p:sld>
+</file>
+
+<file path=ppt/slides/slide17.xml><?xml version="1.0" encoding="utf-8"?>
+<p:sld xmlns:a="http://schemas.openxmlformats.org/drawingml/2006/main" xmlns:r="http://schemas.openxmlformats.org/officeDocument/2006/relationships" xmlns:p="http://schemas.openxmlformats.org/presentationml/2006/main">
+  <p:cSld>
+    <p:spTree>
+      <p:nvGrpSpPr>
+        <p:cNvPr id="1" name=""/>
+        <p:cNvGrpSpPr/>
+        <p:nvPr/>
+      </p:nvGrpSpPr>
+      <p:grpSpPr>
+        <a:xfrm>
+          <a:off x="0" y="0"/>
+          <a:ext cx="0" cy="0"/>
+          <a:chOff x="0" y="0"/>
+          <a:chExt cx="0" cy="0"/>
+        </a:xfrm>
+      </p:grpSpPr>
+      <p:sp>
+        <p:nvSpPr>
+          <p:cNvPr id="2" name="Title 1">
+            <a:extLst>
+              <a:ext uri="{FF2B5EF4-FFF2-40B4-BE49-F238E27FC236}">
+                <a16:creationId xmlns:a16="http://schemas.microsoft.com/office/drawing/2014/main" id="{2DA7045B-39F7-074A-042D-59D4BBA54AA5}"/>
+              </a:ext>
+            </a:extLst>
+          </p:cNvPr>
+          <p:cNvSpPr>
+            <a:spLocks noGrp="1"/>
+          </p:cNvSpPr>
+          <p:nvPr>
+            <p:ph type="title"/>
+          </p:nvPr>
+        </p:nvSpPr>
+        <p:spPr>
+          <a:xfrm>
+            <a:off x="919119" y="2581835"/>
+            <a:ext cx="10353762" cy="1257300"/>
+          </a:xfrm>
+        </p:spPr>
+        <p:txBody>
+          <a:bodyPr/>
+          <a:lstStyle/>
+          <a:p>
+            <a:r>
+              <a:rPr lang="sr-Latn-RS" dirty="0"/>
+              <a:t>Hvala na pažnji!</a:t>
+            </a:r>
+            <a:endParaRPr lang="en-US" dirty="0"/>
+          </a:p>
+        </p:txBody>
+      </p:sp>
+    </p:spTree>
+    <p:extLst>
+      <p:ext uri="{BB962C8B-B14F-4D97-AF65-F5344CB8AC3E}">
+        <p14:creationId xmlns:p14="http://schemas.microsoft.com/office/powerpoint/2010/main" val="1847997743"/>
       </p:ext>
     </p:extLst>
   </p:cSld>
@@ -6926,8 +8409,9 @@
           </a:bodyPr>
           <a:lstStyle/>
           <a:p>
-            <a:pPr marL="36900" lvl="0" indent="0">
-              <a:buNone/>
+            <a:pPr marL="494100" lvl="0" indent="-457200">
+              <a:buFont typeface="+mj-lt"/>
+              <a:buAutoNum type="arabicPeriod"/>
             </a:pPr>
             <a:r>
               <a:rPr lang="sr-Latn-RS" sz="2400" dirty="0"/>
@@ -6936,8 +8420,9 @@
             <a:endParaRPr lang="en-US" sz="2400" dirty="0"/>
           </a:p>
           <a:p>
-            <a:pPr marL="36900" lvl="0" indent="0">
-              <a:buNone/>
+            <a:pPr marL="494100" lvl="0" indent="-457200">
+              <a:buFont typeface="+mj-lt"/>
+              <a:buAutoNum type="arabicPeriod"/>
             </a:pPr>
             <a:r>
               <a:rPr lang="sr-Latn-RS" sz="2400" dirty="0"/>
@@ -6946,8 +8431,9 @@
             <a:endParaRPr lang="en-US" sz="2400" dirty="0"/>
           </a:p>
           <a:p>
-            <a:pPr marL="36900" lvl="0" indent="0">
-              <a:buNone/>
+            <a:pPr marL="494100" lvl="0" indent="-457200">
+              <a:buFont typeface="+mj-lt"/>
+              <a:buAutoNum type="arabicPeriod"/>
             </a:pPr>
             <a:r>
               <a:rPr lang="sr-Latn-RS" sz="2400" dirty="0"/>
@@ -6956,8 +8442,9 @@
             <a:endParaRPr lang="en-US" sz="2400" dirty="0"/>
           </a:p>
           <a:p>
-            <a:pPr marL="36900" lvl="0" indent="0">
-              <a:buNone/>
+            <a:pPr marL="494100" lvl="0" indent="-457200">
+              <a:buFont typeface="+mj-lt"/>
+              <a:buAutoNum type="arabicPeriod"/>
             </a:pPr>
             <a:r>
               <a:rPr lang="sr-Latn-RS" sz="2400" dirty="0"/>
@@ -6966,8 +8453,9 @@
             <a:endParaRPr lang="en-US" sz="2400" dirty="0"/>
           </a:p>
           <a:p>
-            <a:pPr marL="36900" lvl="0" indent="0">
-              <a:buNone/>
+            <a:pPr marL="494100" lvl="0" indent="-457200">
+              <a:buFont typeface="+mj-lt"/>
+              <a:buAutoNum type="arabicPeriod"/>
             </a:pPr>
             <a:r>
               <a:rPr lang="sr-Latn-RS" sz="2400" dirty="0"/>
@@ -7028,39 +8516,1144 @@
         </p:nvSpPr>
         <p:spPr/>
         <p:txBody>
-          <a:bodyPr/>
+          <a:bodyPr>
+            <a:normAutofit/>
+          </a:bodyPr>
           <a:lstStyle/>
           <a:p>
             <a:r>
-              <a:rPr lang="sr-Latn-RS" dirty="0"/>
+              <a:rPr lang="sr-Latn-RS" sz="3600" dirty="0"/>
               <a:t>Reaktivno programiranje</a:t>
             </a:r>
-            <a:endParaRPr lang="en-US" dirty="0"/>
-          </a:p>
-        </p:txBody>
-      </p:sp>
-      <p:sp>
-        <p:nvSpPr>
-          <p:cNvPr id="3" name="Content Placeholder 2">
+            <a:r>
+              <a:rPr lang="en-US" sz="3600" dirty="0"/>
+              <a:t> u </a:t>
+            </a:r>
+            <a:r>
+              <a:rPr lang="en-US" sz="3600" dirty="0" err="1"/>
+              <a:t>Angularu</a:t>
+            </a:r>
+            <a:endParaRPr lang="en-US" sz="3600" dirty="0"/>
+          </a:p>
+        </p:txBody>
+      </p:sp>
+      <p:sp>
+        <p:nvSpPr>
+          <p:cNvPr id="4" name="Rectangle 1">
             <a:extLst>
               <a:ext uri="{FF2B5EF4-FFF2-40B4-BE49-F238E27FC236}">
-                <a16:creationId xmlns:a16="http://schemas.microsoft.com/office/drawing/2014/main" id="{11C665BE-8090-7514-E306-77CFF535090F}"/>
+                <a16:creationId xmlns:a16="http://schemas.microsoft.com/office/drawing/2014/main" id="{210A7ED5-BCD3-14D3-6978-C86526E4F65E}"/>
               </a:ext>
             </a:extLst>
           </p:cNvPr>
           <p:cNvSpPr>
-            <a:spLocks noGrp="1"/>
+            <a:spLocks noGrp="1" noChangeArrowheads="1"/>
           </p:cNvSpPr>
           <p:nvPr>
             <p:ph idx="1"/>
           </p:nvPr>
         </p:nvSpPr>
-        <p:spPr/>
-        <p:txBody>
-          <a:bodyPr/>
+        <p:spPr bwMode="auto">
+          <a:xfrm>
+            <a:off x="913795" y="2025612"/>
+            <a:ext cx="10353762" cy="3816429"/>
+          </a:xfrm>
+          <a:prstGeom prst="rect">
+            <a:avLst/>
+          </a:prstGeom>
+          <a:noFill/>
+          <a:ln>
+            <a:noFill/>
+          </a:ln>
+          <a:effectLst/>
+          <a:extLst>
+            <a:ext uri="{909E8E84-426E-40DD-AFC4-6F175D3DCCD1}">
+              <a14:hiddenFill xmlns:a14="http://schemas.microsoft.com/office/drawing/2010/main">
+                <a:solidFill>
+                  <a:schemeClr val="accent1"/>
+                </a:solidFill>
+              </a14:hiddenFill>
+            </a:ext>
+            <a:ext uri="{91240B29-F687-4F45-9708-019B960494DF}">
+              <a14:hiddenLine xmlns:a14="http://schemas.microsoft.com/office/drawing/2010/main" w="9525">
+                <a:solidFill>
+                  <a:schemeClr val="tx1"/>
+                </a:solidFill>
+                <a:miter lim="800000"/>
+                <a:headEnd/>
+                <a:tailEnd/>
+              </a14:hiddenLine>
+            </a:ext>
+            <a:ext uri="{AF507438-7753-43E0-B8FC-AC1667EBCBE1}">
+              <a14:hiddenEffects xmlns:a14="http://schemas.microsoft.com/office/drawing/2010/main">
+                <a:effectLst>
+                  <a:outerShdw dist="35921" dir="2700000" algn="ctr" rotWithShape="0">
+                    <a:schemeClr val="bg2"/>
+                  </a:outerShdw>
+                </a:effectLst>
+              </a14:hiddenEffects>
+            </a:ext>
+          </a:extLst>
+        </p:spPr>
+        <p:txBody>
+          <a:bodyPr vert="horz" wrap="square" lIns="91440" tIns="45720" rIns="91440" bIns="45720" numCol="1" anchor="ctr" anchorCtr="0" compatLnSpc="1">
+            <a:prstTxWarp prst="textNoShape">
+              <a:avLst/>
+            </a:prstTxWarp>
+            <a:spAutoFit/>
+          </a:bodyPr>
           <a:lstStyle/>
           <a:p>
-            <a:endParaRPr lang="en-US"/>
+            <a:pPr marL="0" indent="0" defTabSz="914400" eaLnBrk="0" fontAlgn="base" hangingPunct="0">
+              <a:lnSpc>
+                <a:spcPct val="100000"/>
+              </a:lnSpc>
+              <a:spcBef>
+                <a:spcPct val="0"/>
+              </a:spcBef>
+              <a:spcAft>
+                <a:spcPct val="0"/>
+              </a:spcAft>
+              <a:buClrTx/>
+              <a:buSzTx/>
+              <a:buNone/>
+            </a:pPr>
+            <a:endParaRPr kumimoji="0" lang="en-US" altLang="en-US" sz="1800" b="0" i="0" u="none" strike="noStrike" cap="none" normalizeH="0" baseline="0" dirty="0">
+              <a:ln>
+                <a:noFill/>
+              </a:ln>
+              <a:effectLst>
+                <a:outerShdw blurRad="38100" dist="38100" dir="2700000" algn="tl">
+                  <a:srgbClr val="000000">
+                    <a:alpha val="43137"/>
+                  </a:srgbClr>
+                </a:outerShdw>
+              </a:effectLst>
+            </a:endParaRPr>
+          </a:p>
+          <a:p>
+            <a:pPr marL="285750" indent="-285750" defTabSz="914400" eaLnBrk="0" fontAlgn="base" hangingPunct="0">
+              <a:lnSpc>
+                <a:spcPct val="100000"/>
+              </a:lnSpc>
+              <a:spcBef>
+                <a:spcPct val="0"/>
+              </a:spcBef>
+              <a:spcAft>
+                <a:spcPct val="0"/>
+              </a:spcAft>
+              <a:buClrTx/>
+              <a:buSzTx/>
+            </a:pPr>
+            <a:r>
+              <a:rPr kumimoji="0" lang="en-US" altLang="en-US" sz="1800" b="0" i="0" u="none" strike="noStrike" cap="none" normalizeH="0" baseline="0" dirty="0">
+                <a:ln>
+                  <a:noFill/>
+                </a:ln>
+                <a:effectLst>
+                  <a:outerShdw blurRad="38100" dist="38100" dir="2700000" algn="tl">
+                    <a:srgbClr val="000000">
+                      <a:alpha val="43137"/>
+                    </a:srgbClr>
+                  </a:outerShdw>
+                </a:effectLst>
+              </a:rPr>
+              <a:t>UI je </a:t>
+            </a:r>
+            <a:r>
+              <a:rPr kumimoji="0" lang="en-US" altLang="en-US" sz="1800" b="0" i="0" u="none" strike="noStrike" cap="none" normalizeH="0" baseline="0" dirty="0" err="1">
+                <a:ln>
+                  <a:noFill/>
+                </a:ln>
+                <a:effectLst>
+                  <a:outerShdw blurRad="38100" dist="38100" dir="2700000" algn="tl">
+                    <a:srgbClr val="000000">
+                      <a:alpha val="43137"/>
+                    </a:srgbClr>
+                  </a:outerShdw>
+                </a:effectLst>
+              </a:rPr>
+              <a:t>uvek</a:t>
+            </a:r>
+            <a:r>
+              <a:rPr kumimoji="0" lang="en-US" altLang="en-US" sz="1800" b="0" i="0" u="none" strike="noStrike" cap="none" normalizeH="0" baseline="0" dirty="0">
+                <a:ln>
+                  <a:noFill/>
+                </a:ln>
+                <a:effectLst>
+                  <a:outerShdw blurRad="38100" dist="38100" dir="2700000" algn="tl">
+                    <a:srgbClr val="000000">
+                      <a:alpha val="43137"/>
+                    </a:srgbClr>
+                  </a:outerShdw>
+                </a:effectLst>
+              </a:rPr>
+              <a:t> </a:t>
+            </a:r>
+            <a:r>
+              <a:rPr kumimoji="0" lang="en-US" altLang="en-US" sz="1800" b="0" i="0" u="none" strike="noStrike" cap="none" normalizeH="0" baseline="0" dirty="0" err="1">
+                <a:ln>
+                  <a:noFill/>
+                </a:ln>
+                <a:effectLst>
+                  <a:outerShdw blurRad="38100" dist="38100" dir="2700000" algn="tl">
+                    <a:srgbClr val="000000">
+                      <a:alpha val="43137"/>
+                    </a:srgbClr>
+                  </a:outerShdw>
+                </a:effectLst>
+              </a:rPr>
+              <a:t>sinhronizovan</a:t>
+            </a:r>
+            <a:r>
+              <a:rPr kumimoji="0" lang="en-US" altLang="en-US" sz="1800" b="0" i="0" u="none" strike="noStrike" cap="none" normalizeH="0" baseline="0" dirty="0">
+                <a:ln>
+                  <a:noFill/>
+                </a:ln>
+                <a:effectLst>
+                  <a:outerShdw blurRad="38100" dist="38100" dir="2700000" algn="tl">
+                    <a:srgbClr val="000000">
+                      <a:alpha val="43137"/>
+                    </a:srgbClr>
+                  </a:outerShdw>
+                </a:effectLst>
+              </a:rPr>
+              <a:t> </a:t>
+            </a:r>
+            <a:r>
+              <a:rPr kumimoji="0" lang="en-US" altLang="en-US" sz="1800" b="0" i="0" u="none" strike="noStrike" cap="none" normalizeH="0" baseline="0" dirty="0" err="1">
+                <a:ln>
+                  <a:noFill/>
+                </a:ln>
+                <a:effectLst>
+                  <a:outerShdw blurRad="38100" dist="38100" dir="2700000" algn="tl">
+                    <a:srgbClr val="000000">
+                      <a:alpha val="43137"/>
+                    </a:srgbClr>
+                  </a:outerShdw>
+                </a:effectLst>
+              </a:rPr>
+              <a:t>sa</a:t>
+            </a:r>
+            <a:r>
+              <a:rPr kumimoji="0" lang="en-US" altLang="en-US" sz="1800" b="0" i="0" u="none" strike="noStrike" cap="none" normalizeH="0" baseline="0" dirty="0">
+                <a:ln>
+                  <a:noFill/>
+                </a:ln>
+                <a:effectLst>
+                  <a:outerShdw blurRad="38100" dist="38100" dir="2700000" algn="tl">
+                    <a:srgbClr val="000000">
+                      <a:alpha val="43137"/>
+                    </a:srgbClr>
+                  </a:outerShdw>
+                </a:effectLst>
+              </a:rPr>
+              <a:t> </a:t>
+            </a:r>
+            <a:r>
+              <a:rPr kumimoji="0" lang="en-US" altLang="en-US" sz="1800" b="0" i="0" u="none" strike="noStrike" cap="none" normalizeH="0" baseline="0" dirty="0" err="1">
+                <a:ln>
+                  <a:noFill/>
+                </a:ln>
+                <a:effectLst>
+                  <a:outerShdw blurRad="38100" dist="38100" dir="2700000" algn="tl">
+                    <a:srgbClr val="000000">
+                      <a:alpha val="43137"/>
+                    </a:srgbClr>
+                  </a:outerShdw>
+                </a:effectLst>
+              </a:rPr>
+              <a:t>stanjem</a:t>
+            </a:r>
+            <a:r>
+              <a:rPr kumimoji="0" lang="en-US" altLang="en-US" sz="1800" b="0" i="0" u="none" strike="noStrike" cap="none" normalizeH="0" baseline="0" dirty="0">
+                <a:ln>
+                  <a:noFill/>
+                </a:ln>
+                <a:effectLst>
+                  <a:outerShdw blurRad="38100" dist="38100" dir="2700000" algn="tl">
+                    <a:srgbClr val="000000">
+                      <a:alpha val="43137"/>
+                    </a:srgbClr>
+                  </a:outerShdw>
+                </a:effectLst>
+              </a:rPr>
+              <a:t> </a:t>
+            </a:r>
+            <a:r>
+              <a:rPr kumimoji="0" lang="en-US" altLang="en-US" sz="1800" b="0" i="0" u="none" strike="noStrike" cap="none" normalizeH="0" baseline="0" dirty="0" err="1">
+                <a:ln>
+                  <a:noFill/>
+                </a:ln>
+                <a:effectLst>
+                  <a:outerShdw blurRad="38100" dist="38100" dir="2700000" algn="tl">
+                    <a:srgbClr val="000000">
+                      <a:alpha val="43137"/>
+                    </a:srgbClr>
+                  </a:outerShdw>
+                </a:effectLst>
+              </a:rPr>
+              <a:t>aplikacije</a:t>
+            </a:r>
+            <a:endParaRPr lang="en-US" altLang="en-US" sz="1800" dirty="0">
+              <a:ln>
+                <a:noFill/>
+              </a:ln>
+              <a:effectLst>
+                <a:outerShdw blurRad="38100" dist="38100" dir="2700000" algn="tl">
+                  <a:srgbClr val="000000">
+                    <a:alpha val="43137"/>
+                  </a:srgbClr>
+                </a:outerShdw>
+              </a:effectLst>
+            </a:endParaRPr>
+          </a:p>
+          <a:p>
+            <a:pPr marL="285750" indent="-285750" defTabSz="914400" eaLnBrk="0" fontAlgn="base" hangingPunct="0">
+              <a:lnSpc>
+                <a:spcPct val="100000"/>
+              </a:lnSpc>
+              <a:spcBef>
+                <a:spcPct val="0"/>
+              </a:spcBef>
+              <a:spcAft>
+                <a:spcPct val="0"/>
+              </a:spcAft>
+              <a:buClrTx/>
+              <a:buSzTx/>
+            </a:pPr>
+            <a:endParaRPr kumimoji="0" lang="en-US" altLang="en-US" sz="1800" b="0" i="0" u="none" strike="noStrike" cap="none" normalizeH="0" baseline="0" dirty="0">
+              <a:ln>
+                <a:noFill/>
+              </a:ln>
+              <a:effectLst>
+                <a:outerShdw blurRad="38100" dist="38100" dir="2700000" algn="tl">
+                  <a:srgbClr val="000000">
+                    <a:alpha val="43137"/>
+                  </a:srgbClr>
+                </a:outerShdw>
+              </a:effectLst>
+            </a:endParaRPr>
+          </a:p>
+          <a:p>
+            <a:pPr marL="285750" indent="-285750" defTabSz="914400" eaLnBrk="0" fontAlgn="base" hangingPunct="0">
+              <a:lnSpc>
+                <a:spcPct val="100000"/>
+              </a:lnSpc>
+              <a:spcBef>
+                <a:spcPct val="0"/>
+              </a:spcBef>
+              <a:spcAft>
+                <a:spcPct val="0"/>
+              </a:spcAft>
+              <a:buClrTx/>
+              <a:buSzTx/>
+            </a:pPr>
+            <a:r>
+              <a:rPr kumimoji="0" lang="en-US" altLang="en-US" sz="1800" b="0" i="0" u="none" strike="noStrike" cap="none" normalizeH="0" baseline="0" dirty="0" err="1">
+                <a:ln>
+                  <a:noFill/>
+                </a:ln>
+                <a:effectLst>
+                  <a:outerShdw blurRad="38100" dist="38100" dir="2700000" algn="tl">
+                    <a:srgbClr val="000000">
+                      <a:alpha val="43137"/>
+                    </a:srgbClr>
+                  </a:outerShdw>
+                </a:effectLst>
+              </a:rPr>
+              <a:t>Automatsko</a:t>
+            </a:r>
+            <a:r>
+              <a:rPr kumimoji="0" lang="en-US" altLang="en-US" sz="1800" b="0" i="0" u="none" strike="noStrike" cap="none" normalizeH="0" baseline="0" dirty="0">
+                <a:ln>
+                  <a:noFill/>
+                </a:ln>
+                <a:effectLst>
+                  <a:outerShdw blurRad="38100" dist="38100" dir="2700000" algn="tl">
+                    <a:srgbClr val="000000">
+                      <a:alpha val="43137"/>
+                    </a:srgbClr>
+                  </a:outerShdw>
+                </a:effectLst>
+              </a:rPr>
+              <a:t> </a:t>
+            </a:r>
+            <a:r>
+              <a:rPr kumimoji="0" lang="en-US" altLang="en-US" sz="1800" b="0" i="0" u="none" strike="noStrike" cap="none" normalizeH="0" baseline="0" dirty="0" err="1">
+                <a:ln>
+                  <a:noFill/>
+                </a:ln>
+                <a:effectLst>
+                  <a:outerShdw blurRad="38100" dist="38100" dir="2700000" algn="tl">
+                    <a:srgbClr val="000000">
+                      <a:alpha val="43137"/>
+                    </a:srgbClr>
+                  </a:outerShdw>
+                </a:effectLst>
+              </a:rPr>
+              <a:t>ažuriranje</a:t>
+            </a:r>
+            <a:r>
+              <a:rPr kumimoji="0" lang="en-US" altLang="en-US" sz="1800" b="0" i="0" u="none" strike="noStrike" cap="none" normalizeH="0" baseline="0" dirty="0">
+                <a:ln>
+                  <a:noFill/>
+                </a:ln>
+                <a:effectLst>
+                  <a:outerShdw blurRad="38100" dist="38100" dir="2700000" algn="tl">
+                    <a:srgbClr val="000000">
+                      <a:alpha val="43137"/>
+                    </a:srgbClr>
+                  </a:outerShdw>
+                </a:effectLst>
+              </a:rPr>
+              <a:t> </a:t>
+            </a:r>
+            <a:r>
+              <a:rPr kumimoji="0" lang="en-US" altLang="en-US" sz="1800" b="0" i="0" u="none" strike="noStrike" cap="none" normalizeH="0" baseline="0" dirty="0" err="1">
+                <a:ln>
+                  <a:noFill/>
+                </a:ln>
+                <a:effectLst>
+                  <a:outerShdw blurRad="38100" dist="38100" dir="2700000" algn="tl">
+                    <a:srgbClr val="000000">
+                      <a:alpha val="43137"/>
+                    </a:srgbClr>
+                  </a:outerShdw>
+                </a:effectLst>
+              </a:rPr>
+              <a:t>prikaza</a:t>
+            </a:r>
+            <a:r>
+              <a:rPr kumimoji="0" lang="en-US" altLang="en-US" sz="1800" b="0" i="0" u="none" strike="noStrike" cap="none" normalizeH="0" baseline="0" dirty="0">
+                <a:ln>
+                  <a:noFill/>
+                </a:ln>
+                <a:effectLst>
+                  <a:outerShdw blurRad="38100" dist="38100" dir="2700000" algn="tl">
+                    <a:srgbClr val="000000">
+                      <a:alpha val="43137"/>
+                    </a:srgbClr>
+                  </a:outerShdw>
+                </a:effectLst>
+              </a:rPr>
+              <a:t> </a:t>
+            </a:r>
+            <a:r>
+              <a:rPr kumimoji="0" lang="en-US" altLang="en-US" sz="1800" b="0" i="0" u="none" strike="noStrike" cap="none" normalizeH="0" baseline="0" dirty="0" err="1">
+                <a:ln>
+                  <a:noFill/>
+                </a:ln>
+                <a:effectLst>
+                  <a:outerShdw blurRad="38100" dist="38100" dir="2700000" algn="tl">
+                    <a:srgbClr val="000000">
+                      <a:alpha val="43137"/>
+                    </a:srgbClr>
+                  </a:outerShdw>
+                </a:effectLst>
+              </a:rPr>
+              <a:t>na</a:t>
+            </a:r>
+            <a:r>
+              <a:rPr kumimoji="0" lang="en-US" altLang="en-US" sz="1800" b="0" i="0" u="none" strike="noStrike" cap="none" normalizeH="0" baseline="0" dirty="0">
+                <a:ln>
+                  <a:noFill/>
+                </a:ln>
+                <a:effectLst>
+                  <a:outerShdw blurRad="38100" dist="38100" dir="2700000" algn="tl">
+                    <a:srgbClr val="000000">
+                      <a:alpha val="43137"/>
+                    </a:srgbClr>
+                  </a:outerShdw>
+                </a:effectLst>
+              </a:rPr>
+              <a:t> </a:t>
+            </a:r>
+            <a:r>
+              <a:rPr kumimoji="0" lang="en-US" altLang="en-US" sz="1800" b="0" i="0" u="none" strike="noStrike" cap="none" normalizeH="0" baseline="0" dirty="0" err="1">
+                <a:ln>
+                  <a:noFill/>
+                </a:ln>
+                <a:effectLst>
+                  <a:outerShdw blurRad="38100" dist="38100" dir="2700000" algn="tl">
+                    <a:srgbClr val="000000">
+                      <a:alpha val="43137"/>
+                    </a:srgbClr>
+                  </a:outerShdw>
+                </a:effectLst>
+              </a:rPr>
+              <a:t>promene</a:t>
+            </a:r>
+            <a:r>
+              <a:rPr kumimoji="0" lang="en-US" altLang="en-US" sz="1800" b="0" i="0" u="none" strike="noStrike" cap="none" normalizeH="0" baseline="0" dirty="0">
+                <a:ln>
+                  <a:noFill/>
+                </a:ln>
+                <a:effectLst>
+                  <a:outerShdw blurRad="38100" dist="38100" dir="2700000" algn="tl">
+                    <a:srgbClr val="000000">
+                      <a:alpha val="43137"/>
+                    </a:srgbClr>
+                  </a:outerShdw>
+                </a:effectLst>
+              </a:rPr>
+              <a:t> </a:t>
+            </a:r>
+            <a:r>
+              <a:rPr kumimoji="0" lang="en-US" altLang="en-US" sz="1800" b="0" i="0" u="none" strike="noStrike" cap="none" normalizeH="0" baseline="0" dirty="0" err="1">
+                <a:ln>
+                  <a:noFill/>
+                </a:ln>
+                <a:effectLst>
+                  <a:outerShdw blurRad="38100" dist="38100" dir="2700000" algn="tl">
+                    <a:srgbClr val="000000">
+                      <a:alpha val="43137"/>
+                    </a:srgbClr>
+                  </a:outerShdw>
+                </a:effectLst>
+              </a:rPr>
+              <a:t>podataka</a:t>
+            </a:r>
+            <a:endParaRPr kumimoji="0" lang="en-US" altLang="en-US" sz="1800" b="0" i="0" u="none" strike="noStrike" cap="none" normalizeH="0" baseline="0" dirty="0">
+              <a:ln>
+                <a:noFill/>
+              </a:ln>
+              <a:effectLst>
+                <a:outerShdw blurRad="38100" dist="38100" dir="2700000" algn="tl">
+                  <a:srgbClr val="000000">
+                    <a:alpha val="43137"/>
+                  </a:srgbClr>
+                </a:outerShdw>
+              </a:effectLst>
+            </a:endParaRPr>
+          </a:p>
+          <a:p>
+            <a:pPr marL="285750" indent="-285750" defTabSz="914400" eaLnBrk="0" fontAlgn="base" hangingPunct="0">
+              <a:lnSpc>
+                <a:spcPct val="100000"/>
+              </a:lnSpc>
+              <a:spcBef>
+                <a:spcPct val="0"/>
+              </a:spcBef>
+              <a:spcAft>
+                <a:spcPct val="0"/>
+              </a:spcAft>
+              <a:buClrTx/>
+              <a:buSzTx/>
+            </a:pPr>
+            <a:endParaRPr kumimoji="0" lang="en-US" altLang="en-US" sz="1800" b="0" i="0" u="none" strike="noStrike" cap="none" normalizeH="0" baseline="0" dirty="0">
+              <a:ln>
+                <a:noFill/>
+              </a:ln>
+              <a:effectLst>
+                <a:outerShdw blurRad="38100" dist="38100" dir="2700000" algn="tl">
+                  <a:srgbClr val="000000">
+                    <a:alpha val="43137"/>
+                  </a:srgbClr>
+                </a:outerShdw>
+              </a:effectLst>
+            </a:endParaRPr>
+          </a:p>
+          <a:p>
+            <a:pPr marL="285750" indent="-285750" defTabSz="914400" eaLnBrk="0" fontAlgn="base" hangingPunct="0">
+              <a:lnSpc>
+                <a:spcPct val="100000"/>
+              </a:lnSpc>
+              <a:spcBef>
+                <a:spcPct val="0"/>
+              </a:spcBef>
+              <a:spcAft>
+                <a:spcPct val="0"/>
+              </a:spcAft>
+              <a:buClrTx/>
+              <a:buSzTx/>
+            </a:pPr>
+            <a:r>
+              <a:rPr kumimoji="0" lang="en-US" altLang="en-US" sz="1800" b="0" i="0" u="none" strike="noStrike" cap="none" normalizeH="0" baseline="0" dirty="0" err="1">
+                <a:ln>
+                  <a:noFill/>
+                </a:ln>
+                <a:effectLst>
+                  <a:outerShdw blurRad="38100" dist="38100" dir="2700000" algn="tl">
+                    <a:srgbClr val="000000">
+                      <a:alpha val="43137"/>
+                    </a:srgbClr>
+                  </a:outerShdw>
+                </a:effectLst>
+              </a:rPr>
+              <a:t>Reagovanje</a:t>
+            </a:r>
+            <a:r>
+              <a:rPr kumimoji="0" lang="en-US" altLang="en-US" sz="1800" b="0" i="0" u="none" strike="noStrike" cap="none" normalizeH="0" baseline="0" dirty="0">
+                <a:ln>
+                  <a:noFill/>
+                </a:ln>
+                <a:effectLst>
+                  <a:outerShdw blurRad="38100" dist="38100" dir="2700000" algn="tl">
+                    <a:srgbClr val="000000">
+                      <a:alpha val="43137"/>
+                    </a:srgbClr>
+                  </a:outerShdw>
+                </a:effectLst>
+              </a:rPr>
+              <a:t> </a:t>
+            </a:r>
+            <a:r>
+              <a:rPr kumimoji="0" lang="en-US" altLang="en-US" sz="1800" b="0" i="0" u="none" strike="noStrike" cap="none" normalizeH="0" baseline="0" dirty="0" err="1">
+                <a:ln>
+                  <a:noFill/>
+                </a:ln>
+                <a:effectLst>
+                  <a:outerShdw blurRad="38100" dist="38100" dir="2700000" algn="tl">
+                    <a:srgbClr val="000000">
+                      <a:alpha val="43137"/>
+                    </a:srgbClr>
+                  </a:outerShdw>
+                </a:effectLst>
+              </a:rPr>
+              <a:t>na</a:t>
+            </a:r>
+            <a:r>
+              <a:rPr kumimoji="0" lang="en-US" altLang="en-US" sz="1800" b="0" i="0" u="none" strike="noStrike" cap="none" normalizeH="0" baseline="0" dirty="0">
+                <a:ln>
+                  <a:noFill/>
+                </a:ln>
+                <a:effectLst>
+                  <a:outerShdw blurRad="38100" dist="38100" dir="2700000" algn="tl">
+                    <a:srgbClr val="000000">
+                      <a:alpha val="43137"/>
+                    </a:srgbClr>
+                  </a:outerShdw>
+                </a:effectLst>
+              </a:rPr>
+              <a:t>:</a:t>
+            </a:r>
+          </a:p>
+          <a:p>
+            <a:pPr marL="285750" indent="-285750" defTabSz="914400" eaLnBrk="0" fontAlgn="base" hangingPunct="0">
+              <a:lnSpc>
+                <a:spcPct val="100000"/>
+              </a:lnSpc>
+              <a:spcBef>
+                <a:spcPct val="0"/>
+              </a:spcBef>
+              <a:spcAft>
+                <a:spcPct val="0"/>
+              </a:spcAft>
+              <a:buClrTx/>
+              <a:buSzTx/>
+            </a:pPr>
+            <a:endParaRPr kumimoji="0" lang="en-US" altLang="en-US" sz="1800" b="0" i="0" u="none" strike="noStrike" cap="none" normalizeH="0" baseline="0" dirty="0">
+              <a:ln>
+                <a:noFill/>
+              </a:ln>
+              <a:effectLst>
+                <a:outerShdw blurRad="38100" dist="38100" dir="2700000" algn="tl">
+                  <a:srgbClr val="000000">
+                    <a:alpha val="43137"/>
+                  </a:srgbClr>
+                </a:outerShdw>
+              </a:effectLst>
+            </a:endParaRPr>
+          </a:p>
+          <a:p>
+            <a:pPr marL="662850" lvl="1" indent="-285750" defTabSz="914400" eaLnBrk="0" fontAlgn="base" hangingPunct="0">
+              <a:spcBef>
+                <a:spcPct val="0"/>
+              </a:spcBef>
+              <a:spcAft>
+                <a:spcPct val="0"/>
+              </a:spcAft>
+              <a:buClrTx/>
+              <a:buSzTx/>
+              <a:buFont typeface="Courier New" panose="02070309020205020404" pitchFamily="49" charset="0"/>
+              <a:buChar char="o"/>
+            </a:pPr>
+            <a:r>
+              <a:rPr kumimoji="0" lang="en-US" altLang="en-US" sz="1600" b="0" i="0" u="none" strike="noStrike" cap="none" normalizeH="0" baseline="0" dirty="0" err="1">
+                <a:ln>
+                  <a:noFill/>
+                </a:ln>
+                <a:effectLst>
+                  <a:outerShdw blurRad="38100" dist="38100" dir="2700000" algn="tl">
+                    <a:srgbClr val="000000">
+                      <a:alpha val="43137"/>
+                    </a:srgbClr>
+                  </a:outerShdw>
+                </a:effectLst>
+              </a:rPr>
+              <a:t>korisničke</a:t>
+            </a:r>
+            <a:r>
+              <a:rPr kumimoji="0" lang="en-US" altLang="en-US" sz="1600" b="0" i="0" u="none" strike="noStrike" cap="none" normalizeH="0" baseline="0" dirty="0">
+                <a:ln>
+                  <a:noFill/>
+                </a:ln>
+                <a:effectLst>
+                  <a:outerShdw blurRad="38100" dist="38100" dir="2700000" algn="tl">
+                    <a:srgbClr val="000000">
+                      <a:alpha val="43137"/>
+                    </a:srgbClr>
+                  </a:outerShdw>
+                </a:effectLst>
+              </a:rPr>
+              <a:t> </a:t>
+            </a:r>
+            <a:r>
+              <a:rPr kumimoji="0" lang="en-US" altLang="en-US" sz="1600" b="0" i="0" u="none" strike="noStrike" cap="none" normalizeH="0" baseline="0" dirty="0" err="1">
+                <a:ln>
+                  <a:noFill/>
+                </a:ln>
+                <a:effectLst>
+                  <a:outerShdw blurRad="38100" dist="38100" dir="2700000" algn="tl">
+                    <a:srgbClr val="000000">
+                      <a:alpha val="43137"/>
+                    </a:srgbClr>
+                  </a:outerShdw>
+                </a:effectLst>
+              </a:rPr>
+              <a:t>interakcije</a:t>
+            </a:r>
+            <a:endParaRPr kumimoji="0" lang="en-US" altLang="en-US" sz="1600" b="0" i="0" u="none" strike="noStrike" cap="none" normalizeH="0" baseline="0" dirty="0">
+              <a:ln>
+                <a:noFill/>
+              </a:ln>
+              <a:effectLst>
+                <a:outerShdw blurRad="38100" dist="38100" dir="2700000" algn="tl">
+                  <a:srgbClr val="000000">
+                    <a:alpha val="43137"/>
+                  </a:srgbClr>
+                </a:outerShdw>
+              </a:effectLst>
+            </a:endParaRPr>
+          </a:p>
+          <a:p>
+            <a:pPr marL="662850" lvl="1" indent="-285750" defTabSz="914400" eaLnBrk="0" fontAlgn="base" hangingPunct="0">
+              <a:spcBef>
+                <a:spcPct val="0"/>
+              </a:spcBef>
+              <a:spcAft>
+                <a:spcPct val="0"/>
+              </a:spcAft>
+              <a:buClrTx/>
+              <a:buSzTx/>
+              <a:buFont typeface="Courier New" panose="02070309020205020404" pitchFamily="49" charset="0"/>
+              <a:buChar char="o"/>
+            </a:pPr>
+            <a:endParaRPr kumimoji="0" lang="en-US" altLang="en-US" sz="1600" b="0" i="0" u="none" strike="noStrike" cap="none" normalizeH="0" baseline="0" dirty="0">
+              <a:ln>
+                <a:noFill/>
+              </a:ln>
+              <a:effectLst>
+                <a:outerShdw blurRad="38100" dist="38100" dir="2700000" algn="tl">
+                  <a:srgbClr val="000000">
+                    <a:alpha val="43137"/>
+                  </a:srgbClr>
+                </a:outerShdw>
+              </a:effectLst>
+            </a:endParaRPr>
+          </a:p>
+          <a:p>
+            <a:pPr marL="662850" lvl="1" indent="-285750" defTabSz="914400" eaLnBrk="0" fontAlgn="base" hangingPunct="0">
+              <a:spcBef>
+                <a:spcPct val="0"/>
+              </a:spcBef>
+              <a:spcAft>
+                <a:spcPct val="0"/>
+              </a:spcAft>
+              <a:buClrTx/>
+              <a:buSzTx/>
+              <a:buFont typeface="Courier New" panose="02070309020205020404" pitchFamily="49" charset="0"/>
+              <a:buChar char="o"/>
+            </a:pPr>
+            <a:r>
+              <a:rPr kumimoji="0" lang="en-US" altLang="en-US" sz="1600" b="0" i="0" u="none" strike="noStrike" cap="none" normalizeH="0" baseline="0" dirty="0" err="1">
+                <a:ln>
+                  <a:noFill/>
+                </a:ln>
+                <a:effectLst>
+                  <a:outerShdw blurRad="38100" dist="38100" dir="2700000" algn="tl">
+                    <a:srgbClr val="000000">
+                      <a:alpha val="43137"/>
+                    </a:srgbClr>
+                  </a:outerShdw>
+                </a:effectLst>
+              </a:rPr>
+              <a:t>asinhrone</a:t>
+            </a:r>
+            <a:r>
+              <a:rPr kumimoji="0" lang="en-US" altLang="en-US" sz="1600" b="0" i="0" u="none" strike="noStrike" cap="none" normalizeH="0" baseline="0" dirty="0">
+                <a:ln>
+                  <a:noFill/>
+                </a:ln>
+                <a:effectLst>
+                  <a:outerShdw blurRad="38100" dist="38100" dir="2700000" algn="tl">
+                    <a:srgbClr val="000000">
+                      <a:alpha val="43137"/>
+                    </a:srgbClr>
+                  </a:outerShdw>
+                </a:effectLst>
+              </a:rPr>
+              <a:t> </a:t>
+            </a:r>
+            <a:r>
+              <a:rPr kumimoji="0" lang="en-US" altLang="en-US" sz="1600" b="0" i="0" u="none" strike="noStrike" cap="none" normalizeH="0" baseline="0" dirty="0" err="1">
+                <a:ln>
+                  <a:noFill/>
+                </a:ln>
+                <a:effectLst>
+                  <a:outerShdw blurRad="38100" dist="38100" dir="2700000" algn="tl">
+                    <a:srgbClr val="000000">
+                      <a:alpha val="43137"/>
+                    </a:srgbClr>
+                  </a:outerShdw>
+                </a:effectLst>
+              </a:rPr>
+              <a:t>operacije</a:t>
+            </a:r>
+            <a:endParaRPr kumimoji="0" lang="en-US" altLang="en-US" sz="1600" b="0" i="0" u="none" strike="noStrike" cap="none" normalizeH="0" baseline="0" dirty="0">
+              <a:ln>
+                <a:noFill/>
+              </a:ln>
+              <a:effectLst>
+                <a:outerShdw blurRad="38100" dist="38100" dir="2700000" algn="tl">
+                  <a:srgbClr val="000000">
+                    <a:alpha val="43137"/>
+                  </a:srgbClr>
+                </a:outerShdw>
+              </a:effectLst>
+            </a:endParaRPr>
+          </a:p>
+          <a:p>
+            <a:pPr marL="662850" lvl="1" indent="-285750" defTabSz="914400" eaLnBrk="0" fontAlgn="base" hangingPunct="0">
+              <a:spcBef>
+                <a:spcPct val="0"/>
+              </a:spcBef>
+              <a:spcAft>
+                <a:spcPct val="0"/>
+              </a:spcAft>
+              <a:buClrTx/>
+              <a:buSzTx/>
+              <a:buFont typeface="Courier New" panose="02070309020205020404" pitchFamily="49" charset="0"/>
+              <a:buChar char="o"/>
+            </a:pPr>
+            <a:endParaRPr kumimoji="0" lang="en-US" altLang="en-US" sz="1600" b="0" i="0" u="none" strike="noStrike" cap="none" normalizeH="0" baseline="0" dirty="0">
+              <a:ln>
+                <a:noFill/>
+              </a:ln>
+              <a:effectLst>
+                <a:outerShdw blurRad="38100" dist="38100" dir="2700000" algn="tl">
+                  <a:srgbClr val="000000">
+                    <a:alpha val="43137"/>
+                  </a:srgbClr>
+                </a:outerShdw>
+              </a:effectLst>
+            </a:endParaRPr>
+          </a:p>
+          <a:p>
+            <a:pPr marL="662850" lvl="1" indent="-285750" defTabSz="914400" eaLnBrk="0" fontAlgn="base" hangingPunct="0">
+              <a:spcBef>
+                <a:spcPct val="0"/>
+              </a:spcBef>
+              <a:spcAft>
+                <a:spcPct val="0"/>
+              </a:spcAft>
+              <a:buClrTx/>
+              <a:buSzTx/>
+              <a:buFont typeface="Courier New" panose="02070309020205020404" pitchFamily="49" charset="0"/>
+              <a:buChar char="o"/>
+            </a:pPr>
+            <a:r>
+              <a:rPr kumimoji="0" lang="en-US" altLang="en-US" sz="1600" b="0" i="0" u="none" strike="noStrike" cap="none" normalizeH="0" baseline="0" dirty="0">
+                <a:ln>
+                  <a:noFill/>
+                </a:ln>
+                <a:effectLst>
+                  <a:outerShdw blurRad="38100" dist="38100" dir="2700000" algn="tl">
+                    <a:srgbClr val="000000">
+                      <a:alpha val="43137"/>
+                    </a:srgbClr>
+                  </a:outerShdw>
+                </a:effectLst>
+              </a:rPr>
+              <a:t>interne </a:t>
+            </a:r>
+            <a:r>
+              <a:rPr kumimoji="0" lang="en-US" altLang="en-US" sz="1600" b="0" i="0" u="none" strike="noStrike" cap="none" normalizeH="0" baseline="0" dirty="0" err="1">
+                <a:ln>
+                  <a:noFill/>
+                </a:ln>
+                <a:effectLst>
+                  <a:outerShdw blurRad="38100" dist="38100" dir="2700000" algn="tl">
+                    <a:srgbClr val="000000">
+                      <a:alpha val="43137"/>
+                    </a:srgbClr>
+                  </a:outerShdw>
+                </a:effectLst>
+              </a:rPr>
+              <a:t>promene</a:t>
+            </a:r>
+            <a:r>
+              <a:rPr kumimoji="0" lang="en-US" altLang="en-US" sz="1600" b="0" i="0" u="none" strike="noStrike" cap="none" normalizeH="0" baseline="0" dirty="0">
+                <a:ln>
+                  <a:noFill/>
+                </a:ln>
+                <a:effectLst>
+                  <a:outerShdw blurRad="38100" dist="38100" dir="2700000" algn="tl">
+                    <a:srgbClr val="000000">
+                      <a:alpha val="43137"/>
+                    </a:srgbClr>
+                  </a:outerShdw>
+                </a:effectLst>
+              </a:rPr>
+              <a:t> </a:t>
+            </a:r>
+            <a:r>
+              <a:rPr kumimoji="0" lang="en-US" altLang="en-US" sz="1600" b="0" i="0" u="none" strike="noStrike" cap="none" normalizeH="0" baseline="0" dirty="0" err="1">
+                <a:ln>
+                  <a:noFill/>
+                </a:ln>
+                <a:effectLst>
+                  <a:outerShdw blurRad="38100" dist="38100" dir="2700000" algn="tl">
+                    <a:srgbClr val="000000">
+                      <a:alpha val="43137"/>
+                    </a:srgbClr>
+                  </a:outerShdw>
+                </a:effectLst>
+              </a:rPr>
+              <a:t>stanja</a:t>
+            </a:r>
+            <a:endParaRPr kumimoji="0" lang="en-US" altLang="en-US" sz="1600" b="0" i="0" u="none" strike="noStrike" cap="none" normalizeH="0" baseline="0" dirty="0">
+              <a:ln>
+                <a:noFill/>
+              </a:ln>
+              <a:effectLst>
+                <a:outerShdw blurRad="38100" dist="38100" dir="2700000" algn="tl">
+                  <a:srgbClr val="000000">
+                    <a:alpha val="43137"/>
+                  </a:srgbClr>
+                </a:outerShdw>
+              </a:effectLst>
+            </a:endParaRPr>
+          </a:p>
+          <a:p>
+            <a:pPr marL="285750" indent="-285750" defTabSz="914400" eaLnBrk="0" fontAlgn="base" hangingPunct="0">
+              <a:lnSpc>
+                <a:spcPct val="100000"/>
+              </a:lnSpc>
+              <a:spcBef>
+                <a:spcPct val="0"/>
+              </a:spcBef>
+              <a:spcAft>
+                <a:spcPct val="0"/>
+              </a:spcAft>
+              <a:buClrTx/>
+              <a:buSzTx/>
+            </a:pPr>
+            <a:endParaRPr kumimoji="0" lang="en-US" altLang="en-US" sz="1800" b="0" i="0" u="none" strike="noStrike" cap="none" normalizeH="0" baseline="0" dirty="0">
+              <a:ln>
+                <a:noFill/>
+              </a:ln>
+              <a:effectLst>
+                <a:outerShdw blurRad="38100" dist="38100" dir="2700000" algn="tl">
+                  <a:srgbClr val="000000">
+                    <a:alpha val="43137"/>
+                  </a:srgbClr>
+                </a:outerShdw>
+              </a:effectLst>
+            </a:endParaRPr>
+          </a:p>
+          <a:p>
+            <a:pPr marL="285750" indent="-285750" defTabSz="914400" eaLnBrk="0" fontAlgn="base" hangingPunct="0">
+              <a:lnSpc>
+                <a:spcPct val="100000"/>
+              </a:lnSpc>
+              <a:spcBef>
+                <a:spcPct val="0"/>
+              </a:spcBef>
+              <a:spcAft>
+                <a:spcPct val="0"/>
+              </a:spcAft>
+              <a:buClrTx/>
+              <a:buSzTx/>
+            </a:pPr>
+            <a:r>
+              <a:rPr kumimoji="0" lang="en-US" altLang="en-US" sz="1800" b="0" i="0" u="none" strike="noStrike" cap="none" normalizeH="0" baseline="0" dirty="0" err="1">
+                <a:ln>
+                  <a:noFill/>
+                </a:ln>
+                <a:effectLst>
+                  <a:outerShdw blurRad="38100" dist="38100" dir="2700000" algn="tl">
+                    <a:srgbClr val="000000">
+                      <a:alpha val="43137"/>
+                    </a:srgbClr>
+                  </a:outerShdw>
+                </a:effectLst>
+              </a:rPr>
+              <a:t>Sistem</a:t>
+            </a:r>
+            <a:r>
+              <a:rPr kumimoji="0" lang="en-US" altLang="en-US" sz="1800" b="0" i="0" u="none" strike="noStrike" cap="none" normalizeH="0" baseline="0" dirty="0">
+                <a:ln>
+                  <a:noFill/>
+                </a:ln>
+                <a:effectLst>
+                  <a:outerShdw blurRad="38100" dist="38100" dir="2700000" algn="tl">
+                    <a:srgbClr val="000000">
+                      <a:alpha val="43137"/>
+                    </a:srgbClr>
+                  </a:outerShdw>
+                </a:effectLst>
+              </a:rPr>
+              <a:t> </a:t>
+            </a:r>
+            <a:r>
+              <a:rPr kumimoji="0" lang="en-US" altLang="en-US" sz="1800" b="0" i="0" u="none" strike="noStrike" cap="none" normalizeH="0" baseline="0" dirty="0" err="1">
+                <a:ln>
+                  <a:noFill/>
+                </a:ln>
+                <a:effectLst>
+                  <a:outerShdw blurRad="38100" dist="38100" dir="2700000" algn="tl">
+                    <a:srgbClr val="000000">
+                      <a:alpha val="43137"/>
+                    </a:srgbClr>
+                  </a:outerShdw>
+                </a:effectLst>
+              </a:rPr>
+              <a:t>zasnovan</a:t>
+            </a:r>
+            <a:r>
+              <a:rPr kumimoji="0" lang="en-US" altLang="en-US" sz="1800" b="0" i="0" u="none" strike="noStrike" cap="none" normalizeH="0" baseline="0" dirty="0">
+                <a:ln>
+                  <a:noFill/>
+                </a:ln>
+                <a:effectLst>
+                  <a:outerShdw blurRad="38100" dist="38100" dir="2700000" algn="tl">
+                    <a:srgbClr val="000000">
+                      <a:alpha val="43137"/>
+                    </a:srgbClr>
+                  </a:outerShdw>
+                </a:effectLst>
+              </a:rPr>
+              <a:t> </a:t>
+            </a:r>
+            <a:r>
+              <a:rPr kumimoji="0" lang="en-US" altLang="en-US" sz="1800" b="0" i="0" u="none" strike="noStrike" cap="none" normalizeH="0" baseline="0" dirty="0" err="1">
+                <a:ln>
+                  <a:noFill/>
+                </a:ln>
+                <a:effectLst>
+                  <a:outerShdw blurRad="38100" dist="38100" dir="2700000" algn="tl">
+                    <a:srgbClr val="000000">
+                      <a:alpha val="43137"/>
+                    </a:srgbClr>
+                  </a:outerShdw>
+                </a:effectLst>
+              </a:rPr>
+              <a:t>na</a:t>
+            </a:r>
+            <a:r>
+              <a:rPr kumimoji="0" lang="en-US" altLang="en-US" sz="1800" b="0" i="0" u="none" strike="noStrike" cap="none" normalizeH="0" baseline="0" dirty="0">
+                <a:ln>
+                  <a:noFill/>
+                </a:ln>
+                <a:effectLst>
+                  <a:outerShdw blurRad="38100" dist="38100" dir="2700000" algn="tl">
+                    <a:srgbClr val="000000">
+                      <a:alpha val="43137"/>
+                    </a:srgbClr>
+                  </a:outerShdw>
+                </a:effectLst>
+              </a:rPr>
+              <a:t> </a:t>
+            </a:r>
+            <a:r>
+              <a:rPr kumimoji="0" lang="en-US" altLang="en-US" sz="1800" b="0" i="0" u="none" strike="noStrike" cap="none" normalizeH="0" baseline="0" dirty="0" err="1">
+                <a:ln>
+                  <a:noFill/>
+                </a:ln>
+                <a:effectLst>
+                  <a:outerShdw blurRad="38100" dist="38100" dir="2700000" algn="tl">
+                    <a:srgbClr val="000000">
+                      <a:alpha val="43137"/>
+                    </a:srgbClr>
+                  </a:outerShdw>
+                </a:effectLst>
+              </a:rPr>
+              <a:t>zavisnostima</a:t>
+            </a:r>
+            <a:r>
+              <a:rPr kumimoji="0" lang="en-US" altLang="en-US" sz="1800" b="0" i="0" u="none" strike="noStrike" cap="none" normalizeH="0" baseline="0" dirty="0">
+                <a:ln>
+                  <a:noFill/>
+                </a:ln>
+                <a:effectLst>
+                  <a:outerShdw blurRad="38100" dist="38100" dir="2700000" algn="tl">
+                    <a:srgbClr val="000000">
+                      <a:alpha val="43137"/>
+                    </a:srgbClr>
+                  </a:outerShdw>
+                </a:effectLst>
+              </a:rPr>
+              <a:t> </a:t>
+            </a:r>
+            <a:r>
+              <a:rPr kumimoji="0" lang="en-US" altLang="en-US" sz="1800" b="0" i="0" u="none" strike="noStrike" cap="none" normalizeH="0" baseline="0" dirty="0" err="1">
+                <a:ln>
+                  <a:noFill/>
+                </a:ln>
+                <a:effectLst>
+                  <a:outerShdw blurRad="38100" dist="38100" dir="2700000" algn="tl">
+                    <a:srgbClr val="000000">
+                      <a:alpha val="43137"/>
+                    </a:srgbClr>
+                  </a:outerShdw>
+                </a:effectLst>
+              </a:rPr>
+              <a:t>između</a:t>
+            </a:r>
+            <a:r>
+              <a:rPr kumimoji="0" lang="en-US" altLang="en-US" sz="1800" b="0" i="0" u="none" strike="noStrike" cap="none" normalizeH="0" baseline="0" dirty="0">
+                <a:ln>
+                  <a:noFill/>
+                </a:ln>
+                <a:effectLst>
+                  <a:outerShdw blurRad="38100" dist="38100" dir="2700000" algn="tl">
+                    <a:srgbClr val="000000">
+                      <a:alpha val="43137"/>
+                    </a:srgbClr>
+                  </a:outerShdw>
+                </a:effectLst>
+              </a:rPr>
+              <a:t> </a:t>
+            </a:r>
+            <a:r>
+              <a:rPr kumimoji="0" lang="en-US" altLang="en-US" sz="1800" b="0" i="0" u="none" strike="noStrike" cap="none" normalizeH="0" baseline="0" dirty="0" err="1">
+                <a:ln>
+                  <a:noFill/>
+                </a:ln>
+                <a:effectLst>
+                  <a:outerShdw blurRad="38100" dist="38100" dir="2700000" algn="tl">
+                    <a:srgbClr val="000000">
+                      <a:alpha val="43137"/>
+                    </a:srgbClr>
+                  </a:outerShdw>
+                </a:effectLst>
+              </a:rPr>
+              <a:t>podataka</a:t>
+            </a:r>
+            <a:endParaRPr kumimoji="0" lang="en-US" altLang="en-US" sz="1800" b="0" i="0" u="none" strike="noStrike" cap="none" normalizeH="0" baseline="0" dirty="0">
+              <a:ln>
+                <a:noFill/>
+              </a:ln>
+              <a:effectLst>
+                <a:outerShdw blurRad="38100" dist="38100" dir="2700000" algn="tl">
+                  <a:srgbClr val="000000">
+                    <a:alpha val="43137"/>
+                  </a:srgbClr>
+                </a:outerShdw>
+              </a:effectLst>
+            </a:endParaRPr>
           </a:p>
         </p:txBody>
       </p:sp>
@@ -7068,6 +9661,1185 @@
     <p:extLst>
       <p:ext uri="{BB962C8B-B14F-4D97-AF65-F5344CB8AC3E}">
         <p14:creationId xmlns:p14="http://schemas.microsoft.com/office/powerpoint/2010/main" val="3760965044"/>
+      </p:ext>
+    </p:extLst>
+  </p:cSld>
+  <p:clrMapOvr>
+    <a:masterClrMapping/>
+  </p:clrMapOvr>
+</p:sld>
+</file>
+
+<file path=ppt/slides/slide4.xml><?xml version="1.0" encoding="utf-8"?>
+<p:sld xmlns:a="http://schemas.openxmlformats.org/drawingml/2006/main" xmlns:r="http://schemas.openxmlformats.org/officeDocument/2006/relationships" xmlns:p="http://schemas.openxmlformats.org/presentationml/2006/main">
+  <p:cSld>
+    <p:spTree>
+      <p:nvGrpSpPr>
+        <p:cNvPr id="1" name=""/>
+        <p:cNvGrpSpPr/>
+        <p:nvPr/>
+      </p:nvGrpSpPr>
+      <p:grpSpPr>
+        <a:xfrm>
+          <a:off x="0" y="0"/>
+          <a:ext cx="0" cy="0"/>
+          <a:chOff x="0" y="0"/>
+          <a:chExt cx="0" cy="0"/>
+        </a:xfrm>
+      </p:grpSpPr>
+      <p:sp>
+        <p:nvSpPr>
+          <p:cNvPr id="2" name="Title 1">
+            <a:extLst>
+              <a:ext uri="{FF2B5EF4-FFF2-40B4-BE49-F238E27FC236}">
+                <a16:creationId xmlns:a16="http://schemas.microsoft.com/office/drawing/2014/main" id="{266D5610-6381-8BC4-CCC0-AB91E2F2B3EF}"/>
+              </a:ext>
+            </a:extLst>
+          </p:cNvPr>
+          <p:cNvSpPr>
+            <a:spLocks noGrp="1"/>
+          </p:cNvSpPr>
+          <p:nvPr>
+            <p:ph type="title"/>
+          </p:nvPr>
+        </p:nvSpPr>
+        <p:spPr/>
+        <p:txBody>
+          <a:bodyPr/>
+          <a:lstStyle/>
+          <a:p>
+            <a:r>
+              <a:rPr lang="en-US" dirty="0" err="1">
+                <a:effectLst/>
+              </a:rPr>
+              <a:t>RxJS</a:t>
+            </a:r>
+            <a:r>
+              <a:rPr lang="en-US" dirty="0">
+                <a:effectLst/>
+              </a:rPr>
+              <a:t> (Reactive Extensions for JavaScript)</a:t>
+            </a:r>
+            <a:endParaRPr lang="en-US" dirty="0"/>
+          </a:p>
+        </p:txBody>
+      </p:sp>
+      <p:sp>
+        <p:nvSpPr>
+          <p:cNvPr id="3" name="Content Placeholder 2">
+            <a:extLst>
+              <a:ext uri="{FF2B5EF4-FFF2-40B4-BE49-F238E27FC236}">
+                <a16:creationId xmlns:a16="http://schemas.microsoft.com/office/drawing/2014/main" id="{A80FD1D5-89DB-3F8B-A2A8-A383A9C69F3B}"/>
+              </a:ext>
+            </a:extLst>
+          </p:cNvPr>
+          <p:cNvSpPr>
+            <a:spLocks noGrp="1"/>
+          </p:cNvSpPr>
+          <p:nvPr>
+            <p:ph idx="1"/>
+          </p:nvPr>
+        </p:nvSpPr>
+        <p:spPr/>
+        <p:txBody>
+          <a:bodyPr>
+            <a:normAutofit/>
+          </a:bodyPr>
+          <a:lstStyle/>
+          <a:p>
+            <a:r>
+              <a:rPr lang="en-US" dirty="0"/>
+              <a:t>Rad </a:t>
+            </a:r>
+            <a:r>
+              <a:rPr lang="en-US" dirty="0" err="1"/>
+              <a:t>sa</a:t>
+            </a:r>
+            <a:r>
+              <a:rPr lang="en-US" dirty="0"/>
+              <a:t> </a:t>
+            </a:r>
+            <a:r>
+              <a:rPr lang="en-US" dirty="0" err="1"/>
+              <a:t>asinhronim</a:t>
+            </a:r>
+            <a:r>
+              <a:rPr lang="en-US" dirty="0"/>
+              <a:t> </a:t>
+            </a:r>
+            <a:r>
+              <a:rPr lang="en-US" dirty="0" err="1"/>
+              <a:t>tokovima</a:t>
+            </a:r>
+            <a:r>
+              <a:rPr lang="en-US" dirty="0"/>
+              <a:t> </a:t>
+            </a:r>
+            <a:r>
+              <a:rPr lang="en-US" dirty="0" err="1"/>
+              <a:t>podataka</a:t>
+            </a:r>
+            <a:endParaRPr lang="en-US" dirty="0"/>
+          </a:p>
+          <a:p>
+            <a:r>
+              <a:rPr lang="en-US" dirty="0"/>
+              <a:t>Observable – </a:t>
+            </a:r>
+            <a:r>
+              <a:rPr lang="en-US" dirty="0" err="1"/>
+              <a:t>tok</a:t>
+            </a:r>
+            <a:r>
+              <a:rPr lang="en-US" dirty="0"/>
+              <a:t> </a:t>
+            </a:r>
+            <a:r>
+              <a:rPr lang="en-US" dirty="0" err="1"/>
+              <a:t>vrednosti</a:t>
+            </a:r>
+            <a:r>
+              <a:rPr lang="en-US" dirty="0"/>
+              <a:t> </a:t>
+            </a:r>
+            <a:r>
+              <a:rPr lang="en-US" dirty="0" err="1"/>
+              <a:t>koje</a:t>
+            </a:r>
+            <a:r>
+              <a:rPr lang="en-US" dirty="0"/>
+              <a:t> se </a:t>
+            </a:r>
+            <a:r>
+              <a:rPr lang="en-US" dirty="0" err="1"/>
+              <a:t>emituju</a:t>
+            </a:r>
+            <a:r>
+              <a:rPr lang="en-US" dirty="0"/>
+              <a:t> </a:t>
+            </a:r>
+            <a:r>
+              <a:rPr lang="en-US" dirty="0" err="1"/>
+              <a:t>tokom</a:t>
+            </a:r>
+            <a:r>
+              <a:rPr lang="en-US" dirty="0"/>
+              <a:t> </a:t>
+            </a:r>
+            <a:r>
+              <a:rPr lang="en-US" dirty="0" err="1"/>
+              <a:t>vremena</a:t>
+            </a:r>
+            <a:endParaRPr lang="en-US" dirty="0"/>
+          </a:p>
+          <a:p>
+            <a:endParaRPr lang="en-US" dirty="0"/>
+          </a:p>
+          <a:p>
+            <a:r>
+              <a:rPr lang="en-US" dirty="0"/>
+              <a:t>HTTP </a:t>
+            </a:r>
+            <a:r>
+              <a:rPr lang="en-US" dirty="0" err="1"/>
+              <a:t>zahtevi</a:t>
+            </a:r>
+            <a:endParaRPr lang="en-US" dirty="0"/>
+          </a:p>
+          <a:p>
+            <a:r>
+              <a:rPr lang="en-US" dirty="0"/>
+              <a:t>User input events (click, scroll, mouse move)</a:t>
+            </a:r>
+          </a:p>
+          <a:p>
+            <a:r>
+              <a:rPr lang="en-US" dirty="0" err="1"/>
+              <a:t>Timeri</a:t>
+            </a:r>
+            <a:r>
+              <a:rPr lang="en-US" dirty="0"/>
+              <a:t>, </a:t>
+            </a:r>
+            <a:r>
+              <a:rPr lang="en-US" dirty="0" err="1"/>
+              <a:t>intervali</a:t>
+            </a:r>
+            <a:r>
+              <a:rPr lang="en-US" dirty="0"/>
+              <a:t>, WebSocket (real-time </a:t>
+            </a:r>
+            <a:r>
+              <a:rPr lang="en-US" dirty="0" err="1"/>
+              <a:t>podaci</a:t>
+            </a:r>
+            <a:r>
+              <a:rPr lang="en-US" dirty="0"/>
+              <a:t>)</a:t>
+            </a:r>
+          </a:p>
+          <a:p>
+            <a:r>
+              <a:rPr lang="en-US" dirty="0" err="1"/>
+              <a:t>Kompleksne</a:t>
+            </a:r>
+            <a:r>
+              <a:rPr lang="en-US" dirty="0"/>
+              <a:t> </a:t>
+            </a:r>
+            <a:r>
+              <a:rPr lang="en-US" dirty="0" err="1"/>
+              <a:t>asinhrone</a:t>
+            </a:r>
+            <a:r>
+              <a:rPr lang="en-US" dirty="0"/>
+              <a:t> </a:t>
+            </a:r>
+            <a:r>
+              <a:rPr lang="en-US" dirty="0" err="1"/>
+              <a:t>tranformacije</a:t>
+            </a:r>
+            <a:r>
+              <a:rPr lang="en-US" dirty="0"/>
+              <a:t> </a:t>
+            </a:r>
+          </a:p>
+        </p:txBody>
+      </p:sp>
+    </p:spTree>
+    <p:extLst>
+      <p:ext uri="{BB962C8B-B14F-4D97-AF65-F5344CB8AC3E}">
+        <p14:creationId xmlns:p14="http://schemas.microsoft.com/office/powerpoint/2010/main" val="3858163573"/>
+      </p:ext>
+    </p:extLst>
+  </p:cSld>
+  <p:clrMapOvr>
+    <a:masterClrMapping/>
+  </p:clrMapOvr>
+</p:sld>
+</file>
+
+<file path=ppt/slides/slide5.xml><?xml version="1.0" encoding="utf-8"?>
+<p:sld xmlns:a="http://schemas.openxmlformats.org/drawingml/2006/main" xmlns:r="http://schemas.openxmlformats.org/officeDocument/2006/relationships" xmlns:p="http://schemas.openxmlformats.org/presentationml/2006/main">
+  <p:cSld>
+    <p:spTree>
+      <p:nvGrpSpPr>
+        <p:cNvPr id="1" name=""/>
+        <p:cNvGrpSpPr/>
+        <p:nvPr/>
+      </p:nvGrpSpPr>
+      <p:grpSpPr>
+        <a:xfrm>
+          <a:off x="0" y="0"/>
+          <a:ext cx="0" cy="0"/>
+          <a:chOff x="0" y="0"/>
+          <a:chExt cx="0" cy="0"/>
+        </a:xfrm>
+      </p:grpSpPr>
+      <p:sp>
+        <p:nvSpPr>
+          <p:cNvPr id="2" name="Title 1">
+            <a:extLst>
+              <a:ext uri="{FF2B5EF4-FFF2-40B4-BE49-F238E27FC236}">
+                <a16:creationId xmlns:a16="http://schemas.microsoft.com/office/drawing/2014/main" id="{6471F96B-4D3B-5B68-3288-E456173A681A}"/>
+              </a:ext>
+            </a:extLst>
+          </p:cNvPr>
+          <p:cNvSpPr>
+            <a:spLocks noGrp="1"/>
+          </p:cNvSpPr>
+          <p:nvPr>
+            <p:ph type="title"/>
+          </p:nvPr>
+        </p:nvSpPr>
+        <p:spPr/>
+        <p:txBody>
+          <a:bodyPr/>
+          <a:lstStyle/>
+          <a:p>
+            <a:r>
+              <a:rPr lang="en-US" dirty="0" err="1">
+                <a:effectLst/>
+              </a:rPr>
+              <a:t>RxJS</a:t>
+            </a:r>
+            <a:r>
+              <a:rPr lang="en-US" dirty="0">
+                <a:effectLst/>
+              </a:rPr>
+              <a:t> (Reactive Extensions for JavaScript)</a:t>
+            </a:r>
+            <a:endParaRPr lang="en-US" dirty="0"/>
+          </a:p>
+        </p:txBody>
+      </p:sp>
+      <p:sp>
+        <p:nvSpPr>
+          <p:cNvPr id="3" name="Content Placeholder 2">
+            <a:extLst>
+              <a:ext uri="{FF2B5EF4-FFF2-40B4-BE49-F238E27FC236}">
+                <a16:creationId xmlns:a16="http://schemas.microsoft.com/office/drawing/2014/main" id="{01B4B969-FE5C-FAEA-C1FB-E4EE984393E6}"/>
+              </a:ext>
+            </a:extLst>
+          </p:cNvPr>
+          <p:cNvSpPr>
+            <a:spLocks noGrp="1"/>
+          </p:cNvSpPr>
+          <p:nvPr>
+            <p:ph idx="1"/>
+          </p:nvPr>
+        </p:nvSpPr>
+        <p:spPr/>
+        <p:txBody>
+          <a:bodyPr/>
+          <a:lstStyle/>
+          <a:p>
+            <a:pPr marL="36900" indent="0" algn="ctr">
+              <a:buNone/>
+            </a:pPr>
+            <a:r>
+              <a:rPr lang="sr-Latn-RS" sz="2800" dirty="0"/>
+              <a:t>Šta rade </a:t>
+            </a:r>
+            <a:r>
+              <a:rPr lang="en-US" sz="2800" dirty="0"/>
+              <a:t>O</a:t>
+            </a:r>
+            <a:r>
+              <a:rPr lang="sr-Latn-RS" sz="2800" dirty="0"/>
+              <a:t>bservables</a:t>
+            </a:r>
+            <a:r>
+              <a:rPr lang="en-US" sz="2800" dirty="0"/>
+              <a:t>?</a:t>
+            </a:r>
+            <a:endParaRPr lang="sr-Latn-RS" sz="2800" dirty="0"/>
+          </a:p>
+          <a:p>
+            <a:pPr marL="36900" indent="0" algn="ctr">
+              <a:buNone/>
+            </a:pPr>
+            <a:r>
+              <a:rPr lang="sr-Latn-RS" sz="2800" dirty="0"/>
+              <a:t>Ništa</a:t>
+            </a:r>
+            <a:r>
+              <a:rPr lang="en-US" sz="2800" dirty="0"/>
+              <a:t>!</a:t>
+            </a:r>
+          </a:p>
+          <a:p>
+            <a:endParaRPr lang="en-US" dirty="0"/>
+          </a:p>
+          <a:p>
+            <a:r>
+              <a:rPr lang="en-US" dirty="0"/>
+              <a:t>Observable ≠ Execution</a:t>
+            </a:r>
+          </a:p>
+          <a:p>
+            <a:r>
+              <a:rPr lang="en-US" dirty="0"/>
+              <a:t>Subscribe = Start (</a:t>
+            </a:r>
+            <a:r>
+              <a:rPr lang="en-US" dirty="0" err="1"/>
+              <a:t>aktivira</a:t>
+            </a:r>
+            <a:r>
+              <a:rPr lang="en-US" dirty="0"/>
+              <a:t> </a:t>
+            </a:r>
+            <a:r>
+              <a:rPr lang="en-US" dirty="0" err="1"/>
+              <a:t>tok</a:t>
+            </a:r>
+            <a:r>
+              <a:rPr lang="en-US" dirty="0"/>
+              <a:t> </a:t>
+            </a:r>
+            <a:r>
+              <a:rPr lang="en-US" dirty="0" err="1"/>
+              <a:t>podataka</a:t>
+            </a:r>
+            <a:r>
+              <a:rPr lang="en-US" dirty="0"/>
+              <a:t>)</a:t>
+            </a:r>
+            <a:endParaRPr lang="sr-Latn-RS" dirty="0"/>
+          </a:p>
+          <a:p>
+            <a:pPr marL="36900" indent="0">
+              <a:buNone/>
+            </a:pPr>
+            <a:endParaRPr lang="en-US" dirty="0"/>
+          </a:p>
+          <a:p>
+            <a:pPr marL="36900" indent="0">
+              <a:buNone/>
+            </a:pPr>
+            <a:endParaRPr lang="en-US" dirty="0"/>
+          </a:p>
+          <a:p>
+            <a:endParaRPr lang="en-US" dirty="0"/>
+          </a:p>
+        </p:txBody>
+      </p:sp>
+    </p:spTree>
+    <p:extLst>
+      <p:ext uri="{BB962C8B-B14F-4D97-AF65-F5344CB8AC3E}">
+        <p14:creationId xmlns:p14="http://schemas.microsoft.com/office/powerpoint/2010/main" val="2616588791"/>
+      </p:ext>
+    </p:extLst>
+  </p:cSld>
+  <p:clrMapOvr>
+    <a:masterClrMapping/>
+  </p:clrMapOvr>
+</p:sld>
+</file>
+
+<file path=ppt/slides/slide6.xml><?xml version="1.0" encoding="utf-8"?>
+<p:sld xmlns:a="http://schemas.openxmlformats.org/drawingml/2006/main" xmlns:r="http://schemas.openxmlformats.org/officeDocument/2006/relationships" xmlns:p="http://schemas.openxmlformats.org/presentationml/2006/main">
+  <p:cSld>
+    <p:spTree>
+      <p:nvGrpSpPr>
+        <p:cNvPr id="1" name=""/>
+        <p:cNvGrpSpPr/>
+        <p:nvPr/>
+      </p:nvGrpSpPr>
+      <p:grpSpPr>
+        <a:xfrm>
+          <a:off x="0" y="0"/>
+          <a:ext cx="0" cy="0"/>
+          <a:chOff x="0" y="0"/>
+          <a:chExt cx="0" cy="0"/>
+        </a:xfrm>
+      </p:grpSpPr>
+      <p:sp>
+        <p:nvSpPr>
+          <p:cNvPr id="2" name="Title 1">
+            <a:extLst>
+              <a:ext uri="{FF2B5EF4-FFF2-40B4-BE49-F238E27FC236}">
+                <a16:creationId xmlns:a16="http://schemas.microsoft.com/office/drawing/2014/main" id="{8D52A283-9F34-D7B6-26AA-CCE1251C1691}"/>
+              </a:ext>
+            </a:extLst>
+          </p:cNvPr>
+          <p:cNvSpPr>
+            <a:spLocks noGrp="1"/>
+          </p:cNvSpPr>
+          <p:nvPr>
+            <p:ph type="title"/>
+          </p:nvPr>
+        </p:nvSpPr>
+        <p:spPr/>
+        <p:txBody>
+          <a:bodyPr/>
+          <a:lstStyle/>
+          <a:p>
+            <a:r>
+              <a:rPr lang="en-US" dirty="0" err="1">
+                <a:effectLst/>
+              </a:rPr>
+              <a:t>RxJS</a:t>
+            </a:r>
+            <a:r>
+              <a:rPr lang="en-US" dirty="0">
+                <a:effectLst/>
+              </a:rPr>
+              <a:t> (Reactive Extensions for JavaScript)</a:t>
+            </a:r>
+            <a:endParaRPr lang="en-US" dirty="0"/>
+          </a:p>
+        </p:txBody>
+      </p:sp>
+      <p:sp>
+        <p:nvSpPr>
+          <p:cNvPr id="3" name="Content Placeholder 2">
+            <a:extLst>
+              <a:ext uri="{FF2B5EF4-FFF2-40B4-BE49-F238E27FC236}">
+                <a16:creationId xmlns:a16="http://schemas.microsoft.com/office/drawing/2014/main" id="{306346AA-862E-437B-683E-6DD7D6FFE9E8}"/>
+              </a:ext>
+            </a:extLst>
+          </p:cNvPr>
+          <p:cNvSpPr>
+            <a:spLocks noGrp="1"/>
+          </p:cNvSpPr>
+          <p:nvPr>
+            <p:ph idx="1"/>
+          </p:nvPr>
+        </p:nvSpPr>
+        <p:spPr/>
+        <p:txBody>
+          <a:bodyPr/>
+          <a:lstStyle/>
+          <a:p>
+            <a:pPr marL="36900" indent="0">
+              <a:buNone/>
+            </a:pPr>
+            <a:r>
+              <a:rPr lang="en-US" dirty="0"/>
+              <a:t>Observable notifications</a:t>
+            </a:r>
+            <a:endParaRPr lang="sr-Latn-RS" dirty="0"/>
+          </a:p>
+          <a:p>
+            <a:pPr lvl="1"/>
+            <a:r>
+              <a:rPr lang="sr-Latn-RS" dirty="0"/>
+              <a:t>next – nova vrednost</a:t>
+            </a:r>
+          </a:p>
+          <a:p>
+            <a:pPr lvl="1"/>
+            <a:r>
+              <a:rPr lang="sr-Latn-RS" dirty="0"/>
+              <a:t>error – tok se prekida</a:t>
+            </a:r>
+          </a:p>
+          <a:p>
+            <a:pPr lvl="1"/>
+            <a:r>
+              <a:rPr lang="sr-Latn-RS" dirty="0"/>
+              <a:t>complete – kraj toka</a:t>
+            </a:r>
+            <a:endParaRPr lang="en-US" dirty="0"/>
+          </a:p>
+        </p:txBody>
+      </p:sp>
+    </p:spTree>
+    <p:extLst>
+      <p:ext uri="{BB962C8B-B14F-4D97-AF65-F5344CB8AC3E}">
+        <p14:creationId xmlns:p14="http://schemas.microsoft.com/office/powerpoint/2010/main" val="1123903463"/>
+      </p:ext>
+    </p:extLst>
+  </p:cSld>
+  <p:clrMapOvr>
+    <a:masterClrMapping/>
+  </p:clrMapOvr>
+</p:sld>
+</file>
+
+<file path=ppt/slides/slide7.xml><?xml version="1.0" encoding="utf-8"?>
+<p:sld xmlns:a="http://schemas.openxmlformats.org/drawingml/2006/main" xmlns:r="http://schemas.openxmlformats.org/officeDocument/2006/relationships" xmlns:p="http://schemas.openxmlformats.org/presentationml/2006/main">
+  <p:cSld>
+    <p:spTree>
+      <p:nvGrpSpPr>
+        <p:cNvPr id="1" name=""/>
+        <p:cNvGrpSpPr/>
+        <p:nvPr/>
+      </p:nvGrpSpPr>
+      <p:grpSpPr>
+        <a:xfrm>
+          <a:off x="0" y="0"/>
+          <a:ext cx="0" cy="0"/>
+          <a:chOff x="0" y="0"/>
+          <a:chExt cx="0" cy="0"/>
+        </a:xfrm>
+      </p:grpSpPr>
+      <p:sp>
+        <p:nvSpPr>
+          <p:cNvPr id="2" name="Title 1">
+            <a:extLst>
+              <a:ext uri="{FF2B5EF4-FFF2-40B4-BE49-F238E27FC236}">
+                <a16:creationId xmlns:a16="http://schemas.microsoft.com/office/drawing/2014/main" id="{7A87C0F8-F6E9-7F3A-CB1A-E6922217823E}"/>
+              </a:ext>
+            </a:extLst>
+          </p:cNvPr>
+          <p:cNvSpPr>
+            <a:spLocks noGrp="1"/>
+          </p:cNvSpPr>
+          <p:nvPr>
+            <p:ph type="title"/>
+          </p:nvPr>
+        </p:nvSpPr>
+        <p:spPr/>
+        <p:txBody>
+          <a:bodyPr/>
+          <a:lstStyle/>
+          <a:p>
+            <a:r>
+              <a:rPr lang="en-US" dirty="0" err="1">
+                <a:effectLst/>
+              </a:rPr>
+              <a:t>RxJS</a:t>
+            </a:r>
+            <a:r>
+              <a:rPr lang="en-US" dirty="0">
+                <a:effectLst/>
+              </a:rPr>
+              <a:t> (Reactive Extensions for JavaScript)</a:t>
+            </a:r>
+            <a:endParaRPr lang="en-US" dirty="0"/>
+          </a:p>
+        </p:txBody>
+      </p:sp>
+      <p:sp>
+        <p:nvSpPr>
+          <p:cNvPr id="3" name="Content Placeholder 2">
+            <a:extLst>
+              <a:ext uri="{FF2B5EF4-FFF2-40B4-BE49-F238E27FC236}">
+                <a16:creationId xmlns:a16="http://schemas.microsoft.com/office/drawing/2014/main" id="{9482E800-7E5C-ED77-AE21-06A1ED8FAB6C}"/>
+              </a:ext>
+            </a:extLst>
+          </p:cNvPr>
+          <p:cNvSpPr>
+            <a:spLocks noGrp="1"/>
+          </p:cNvSpPr>
+          <p:nvPr>
+            <p:ph idx="1"/>
+          </p:nvPr>
+        </p:nvSpPr>
+        <p:spPr/>
+        <p:txBody>
+          <a:bodyPr/>
+          <a:lstStyle/>
+          <a:p>
+            <a:r>
+              <a:rPr lang="en-US" dirty="0"/>
+              <a:t>Ru</a:t>
+            </a:r>
+            <a:r>
+              <a:rPr lang="sr-Latn-RS" dirty="0"/>
+              <a:t>č</a:t>
+            </a:r>
+            <a:r>
+              <a:rPr lang="en-US" dirty="0"/>
+              <a:t>no </a:t>
+            </a:r>
+            <a:r>
+              <a:rPr lang="en-US" dirty="0" err="1"/>
+              <a:t>upravljanje</a:t>
+            </a:r>
+            <a:r>
+              <a:rPr lang="en-US" dirty="0"/>
+              <a:t> </a:t>
+            </a:r>
+            <a:r>
+              <a:rPr lang="en-US" dirty="0" err="1"/>
+              <a:t>pretplatama</a:t>
+            </a:r>
+            <a:r>
+              <a:rPr lang="sr-Latn-RS" dirty="0"/>
+              <a:t> </a:t>
+            </a:r>
+            <a:br>
+              <a:rPr lang="en-US" dirty="0"/>
+            </a:br>
+            <a:endParaRPr lang="sr-Latn-RS" dirty="0"/>
+          </a:p>
+          <a:p>
+            <a:endParaRPr lang="en-US" dirty="0"/>
+          </a:p>
+          <a:p>
+            <a:endParaRPr lang="en-US" dirty="0"/>
+          </a:p>
+        </p:txBody>
+      </p:sp>
+      <p:pic>
+        <p:nvPicPr>
+          <p:cNvPr id="4" name="Content Placeholder 4">
+            <a:extLst>
+              <a:ext uri="{FF2B5EF4-FFF2-40B4-BE49-F238E27FC236}">
+                <a16:creationId xmlns:a16="http://schemas.microsoft.com/office/drawing/2014/main" id="{7DE3718A-8078-89D9-797D-8D08BC1D5AE1}"/>
+              </a:ext>
+            </a:extLst>
+          </p:cNvPr>
+          <p:cNvPicPr>
+            <a:picLocks noChangeAspect="1"/>
+          </p:cNvPicPr>
+          <p:nvPr/>
+        </p:nvPicPr>
+        <p:blipFill>
+          <a:blip r:embed="rId2"/>
+          <a:stretch>
+            <a:fillRect/>
+          </a:stretch>
+        </p:blipFill>
+        <p:spPr>
+          <a:xfrm>
+            <a:off x="977622" y="2642150"/>
+            <a:ext cx="10300583" cy="3358599"/>
+          </a:xfrm>
+          <a:prstGeom prst="rect">
+            <a:avLst/>
+          </a:prstGeom>
+          <a:effectLst>
+            <a:outerShdw blurRad="25400" dir="17880000">
+              <a:srgbClr val="000000">
+                <a:alpha val="46000"/>
+              </a:srgbClr>
+            </a:outerShdw>
+          </a:effectLst>
+        </p:spPr>
+      </p:pic>
+    </p:spTree>
+    <p:extLst>
+      <p:ext uri="{BB962C8B-B14F-4D97-AF65-F5344CB8AC3E}">
+        <p14:creationId xmlns:p14="http://schemas.microsoft.com/office/powerpoint/2010/main" val="3088761636"/>
+      </p:ext>
+    </p:extLst>
+  </p:cSld>
+  <p:clrMapOvr>
+    <a:masterClrMapping/>
+  </p:clrMapOvr>
+</p:sld>
+</file>
+
+<file path=ppt/slides/slide8.xml><?xml version="1.0" encoding="utf-8"?>
+<p:sld xmlns:a="http://schemas.openxmlformats.org/drawingml/2006/main" xmlns:r="http://schemas.openxmlformats.org/officeDocument/2006/relationships" xmlns:p="http://schemas.openxmlformats.org/presentationml/2006/main">
+  <p:cSld>
+    <p:spTree>
+      <p:nvGrpSpPr>
+        <p:cNvPr id="1" name=""/>
+        <p:cNvGrpSpPr/>
+        <p:nvPr/>
+      </p:nvGrpSpPr>
+      <p:grpSpPr>
+        <a:xfrm>
+          <a:off x="0" y="0"/>
+          <a:ext cx="0" cy="0"/>
+          <a:chOff x="0" y="0"/>
+          <a:chExt cx="0" cy="0"/>
+        </a:xfrm>
+      </p:grpSpPr>
+      <p:sp>
+        <p:nvSpPr>
+          <p:cNvPr id="2" name="Title 1">
+            <a:extLst>
+              <a:ext uri="{FF2B5EF4-FFF2-40B4-BE49-F238E27FC236}">
+                <a16:creationId xmlns:a16="http://schemas.microsoft.com/office/drawing/2014/main" id="{C0F740C1-A4EC-A093-F1CC-23104A850862}"/>
+              </a:ext>
+            </a:extLst>
+          </p:cNvPr>
+          <p:cNvSpPr>
+            <a:spLocks noGrp="1"/>
+          </p:cNvSpPr>
+          <p:nvPr>
+            <p:ph type="title"/>
+          </p:nvPr>
+        </p:nvSpPr>
+        <p:spPr/>
+        <p:txBody>
+          <a:bodyPr/>
+          <a:lstStyle/>
+          <a:p>
+            <a:r>
+              <a:rPr lang="en-US" dirty="0" err="1">
+                <a:effectLst/>
+              </a:rPr>
+              <a:t>RxJS</a:t>
+            </a:r>
+            <a:r>
+              <a:rPr lang="en-US" dirty="0">
+                <a:effectLst/>
+              </a:rPr>
+              <a:t> (Reactive Extensions for JavaScript)</a:t>
+            </a:r>
+            <a:endParaRPr lang="en-US" dirty="0"/>
+          </a:p>
+        </p:txBody>
+      </p:sp>
+      <p:sp>
+        <p:nvSpPr>
+          <p:cNvPr id="3" name="Content Placeholder 2">
+            <a:extLst>
+              <a:ext uri="{FF2B5EF4-FFF2-40B4-BE49-F238E27FC236}">
+                <a16:creationId xmlns:a16="http://schemas.microsoft.com/office/drawing/2014/main" id="{FCD683E4-1FED-B7B2-5D4B-2E3B51FEA3C7}"/>
+              </a:ext>
+            </a:extLst>
+          </p:cNvPr>
+          <p:cNvSpPr>
+            <a:spLocks noGrp="1"/>
+          </p:cNvSpPr>
+          <p:nvPr>
+            <p:ph idx="1"/>
+          </p:nvPr>
+        </p:nvSpPr>
+        <p:spPr/>
+        <p:txBody>
+          <a:bodyPr/>
+          <a:lstStyle/>
+          <a:p>
+            <a:r>
+              <a:rPr lang="sr-Latn-RS" dirty="0">
+                <a:effectLst/>
+              </a:rPr>
+              <a:t>Bogat skup operatora </a:t>
+            </a:r>
+            <a:r>
+              <a:rPr lang="en-GB" dirty="0">
+                <a:effectLst/>
+              </a:rPr>
+              <a:t>map, filter, </a:t>
+            </a:r>
+            <a:r>
+              <a:rPr lang="en-GB" dirty="0" err="1">
+                <a:effectLst/>
+              </a:rPr>
+              <a:t>switchMap</a:t>
+            </a:r>
+            <a:r>
+              <a:rPr lang="en-GB" dirty="0">
+                <a:effectLst/>
+              </a:rPr>
+              <a:t>, </a:t>
+            </a:r>
+            <a:r>
+              <a:rPr lang="en-GB" dirty="0" err="1">
+                <a:effectLst/>
+              </a:rPr>
+              <a:t>debounceTime</a:t>
+            </a:r>
+            <a:r>
+              <a:rPr lang="en-GB" dirty="0">
+                <a:effectLst/>
+              </a:rPr>
+              <a:t> </a:t>
+            </a:r>
+            <a:r>
+              <a:rPr lang="en-GB" dirty="0" err="1">
+                <a:effectLst/>
+              </a:rPr>
+              <a:t>i</a:t>
+            </a:r>
+            <a:r>
+              <a:rPr lang="en-GB" dirty="0">
+                <a:effectLst/>
+              </a:rPr>
+              <a:t> </a:t>
+            </a:r>
+            <a:r>
+              <a:rPr lang="en-GB" dirty="0" err="1">
+                <a:effectLst/>
+              </a:rPr>
+              <a:t>combineLatest</a:t>
+            </a:r>
+            <a:r>
+              <a:rPr lang="sr-Latn-RS" dirty="0">
+                <a:effectLst/>
+              </a:rPr>
+              <a:t>...</a:t>
+            </a:r>
+          </a:p>
+          <a:p>
+            <a:endParaRPr lang="en-US" dirty="0"/>
+          </a:p>
+        </p:txBody>
+      </p:sp>
+      <p:pic>
+        <p:nvPicPr>
+          <p:cNvPr id="7" name="Picture 6">
+            <a:extLst>
+              <a:ext uri="{FF2B5EF4-FFF2-40B4-BE49-F238E27FC236}">
+                <a16:creationId xmlns:a16="http://schemas.microsoft.com/office/drawing/2014/main" id="{A57DAB27-1108-6A27-4F4B-8F2C2A6CC050}"/>
+              </a:ext>
+            </a:extLst>
+          </p:cNvPr>
+          <p:cNvPicPr>
+            <a:picLocks noChangeAspect="1"/>
+          </p:cNvPicPr>
+          <p:nvPr/>
+        </p:nvPicPr>
+        <p:blipFill>
+          <a:blip r:embed="rId2"/>
+          <a:stretch>
+            <a:fillRect/>
+          </a:stretch>
+        </p:blipFill>
+        <p:spPr>
+          <a:xfrm>
+            <a:off x="1133137" y="3043125"/>
+            <a:ext cx="4839375" cy="1609950"/>
+          </a:xfrm>
+          <a:prstGeom prst="rect">
+            <a:avLst/>
+          </a:prstGeom>
+        </p:spPr>
+      </p:pic>
+      <p:pic>
+        <p:nvPicPr>
+          <p:cNvPr id="9" name="Picture 8">
+            <a:extLst>
+              <a:ext uri="{FF2B5EF4-FFF2-40B4-BE49-F238E27FC236}">
+                <a16:creationId xmlns:a16="http://schemas.microsoft.com/office/drawing/2014/main" id="{85628543-4C47-685F-1F55-235B38B232B6}"/>
+              </a:ext>
+            </a:extLst>
+          </p:cNvPr>
+          <p:cNvPicPr>
+            <a:picLocks noChangeAspect="1"/>
+          </p:cNvPicPr>
+          <p:nvPr/>
+        </p:nvPicPr>
+        <p:blipFill>
+          <a:blip r:embed="rId3"/>
+          <a:stretch>
+            <a:fillRect/>
+          </a:stretch>
+        </p:blipFill>
+        <p:spPr>
+          <a:xfrm>
+            <a:off x="1133137" y="4724187"/>
+            <a:ext cx="6773220" cy="1524213"/>
+          </a:xfrm>
+          <a:prstGeom prst="rect">
+            <a:avLst/>
+          </a:prstGeom>
+        </p:spPr>
+      </p:pic>
+      <p:pic>
+        <p:nvPicPr>
+          <p:cNvPr id="11" name="Picture 10">
+            <a:extLst>
+              <a:ext uri="{FF2B5EF4-FFF2-40B4-BE49-F238E27FC236}">
+                <a16:creationId xmlns:a16="http://schemas.microsoft.com/office/drawing/2014/main" id="{13FB8487-ECE2-4D66-D9E6-4B31DDB20150}"/>
+              </a:ext>
+            </a:extLst>
+          </p:cNvPr>
+          <p:cNvPicPr>
+            <a:picLocks noChangeAspect="1"/>
+          </p:cNvPicPr>
+          <p:nvPr/>
+        </p:nvPicPr>
+        <p:blipFill>
+          <a:blip r:embed="rId4"/>
+          <a:stretch>
+            <a:fillRect/>
+          </a:stretch>
+        </p:blipFill>
+        <p:spPr>
+          <a:xfrm>
+            <a:off x="4790750" y="5919461"/>
+            <a:ext cx="4648849" cy="381053"/>
+          </a:xfrm>
+          <a:prstGeom prst="rect">
+            <a:avLst/>
+          </a:prstGeom>
+        </p:spPr>
+      </p:pic>
+      <p:pic>
+        <p:nvPicPr>
+          <p:cNvPr id="13" name="Picture 12">
+            <a:extLst>
+              <a:ext uri="{FF2B5EF4-FFF2-40B4-BE49-F238E27FC236}">
+                <a16:creationId xmlns:a16="http://schemas.microsoft.com/office/drawing/2014/main" id="{0912B0E9-CCAA-ED00-EECE-C13FE05262A2}"/>
+              </a:ext>
+            </a:extLst>
+          </p:cNvPr>
+          <p:cNvPicPr>
+            <a:picLocks noChangeAspect="1"/>
+          </p:cNvPicPr>
+          <p:nvPr/>
+        </p:nvPicPr>
+        <p:blipFill>
+          <a:blip r:embed="rId5"/>
+          <a:stretch>
+            <a:fillRect/>
+          </a:stretch>
+        </p:blipFill>
+        <p:spPr>
+          <a:xfrm>
+            <a:off x="6533642" y="2973572"/>
+            <a:ext cx="5305577" cy="1645840"/>
+          </a:xfrm>
+          <a:prstGeom prst="rect">
+            <a:avLst/>
+          </a:prstGeom>
+        </p:spPr>
+      </p:pic>
+    </p:spTree>
+    <p:extLst>
+      <p:ext uri="{BB962C8B-B14F-4D97-AF65-F5344CB8AC3E}">
+        <p14:creationId xmlns:p14="http://schemas.microsoft.com/office/powerpoint/2010/main" val="2054552068"/>
+      </p:ext>
+    </p:extLst>
+  </p:cSld>
+  <p:clrMapOvr>
+    <a:masterClrMapping/>
+  </p:clrMapOvr>
+</p:sld>
+</file>
+
+<file path=ppt/slides/slide9.xml><?xml version="1.0" encoding="utf-8"?>
+<p:sld xmlns:a="http://schemas.openxmlformats.org/drawingml/2006/main" xmlns:r="http://schemas.openxmlformats.org/officeDocument/2006/relationships" xmlns:p="http://schemas.openxmlformats.org/presentationml/2006/main">
+  <p:cSld>
+    <p:spTree>
+      <p:nvGrpSpPr>
+        <p:cNvPr id="1" name=""/>
+        <p:cNvGrpSpPr/>
+        <p:nvPr/>
+      </p:nvGrpSpPr>
+      <p:grpSpPr>
+        <a:xfrm>
+          <a:off x="0" y="0"/>
+          <a:ext cx="0" cy="0"/>
+          <a:chOff x="0" y="0"/>
+          <a:chExt cx="0" cy="0"/>
+        </a:xfrm>
+      </p:grpSpPr>
+      <p:sp>
+        <p:nvSpPr>
+          <p:cNvPr id="2" name="Title 1">
+            <a:extLst>
+              <a:ext uri="{FF2B5EF4-FFF2-40B4-BE49-F238E27FC236}">
+                <a16:creationId xmlns:a16="http://schemas.microsoft.com/office/drawing/2014/main" id="{D6A9CF75-1FCA-ADF8-0895-F9F8A79E8148}"/>
+              </a:ext>
+            </a:extLst>
+          </p:cNvPr>
+          <p:cNvSpPr>
+            <a:spLocks noGrp="1"/>
+          </p:cNvSpPr>
+          <p:nvPr>
+            <p:ph type="title"/>
+          </p:nvPr>
+        </p:nvSpPr>
+        <p:spPr/>
+        <p:txBody>
+          <a:bodyPr/>
+          <a:lstStyle/>
+          <a:p>
+            <a:r>
+              <a:rPr lang="en-US" dirty="0" err="1">
+                <a:effectLst/>
+              </a:rPr>
+              <a:t>RxJS</a:t>
+            </a:r>
+            <a:r>
+              <a:rPr lang="en-US" dirty="0">
+                <a:effectLst/>
+              </a:rPr>
+              <a:t> (Reactive Extensions for JavaScript)</a:t>
+            </a:r>
+            <a:endParaRPr lang="en-US" dirty="0"/>
+          </a:p>
+        </p:txBody>
+      </p:sp>
+      <p:sp>
+        <p:nvSpPr>
+          <p:cNvPr id="4" name="Text Placeholder 3">
+            <a:extLst>
+              <a:ext uri="{FF2B5EF4-FFF2-40B4-BE49-F238E27FC236}">
+                <a16:creationId xmlns:a16="http://schemas.microsoft.com/office/drawing/2014/main" id="{6AA60DBD-FE75-1110-E349-01585BE2F57D}"/>
+              </a:ext>
+            </a:extLst>
+          </p:cNvPr>
+          <p:cNvSpPr>
+            <a:spLocks noGrp="1"/>
+          </p:cNvSpPr>
+          <p:nvPr>
+            <p:ph type="body" idx="1"/>
+          </p:nvPr>
+        </p:nvSpPr>
+        <p:spPr/>
+        <p:txBody>
+          <a:bodyPr/>
+          <a:lstStyle/>
+          <a:p>
+            <a:r>
+              <a:rPr lang="sr-Latn-RS" dirty="0"/>
+              <a:t>Prednosti</a:t>
+            </a:r>
+            <a:endParaRPr lang="en-US" dirty="0"/>
+          </a:p>
+        </p:txBody>
+      </p:sp>
+      <p:sp>
+        <p:nvSpPr>
+          <p:cNvPr id="5" name="Content Placeholder 4">
+            <a:extLst>
+              <a:ext uri="{FF2B5EF4-FFF2-40B4-BE49-F238E27FC236}">
+                <a16:creationId xmlns:a16="http://schemas.microsoft.com/office/drawing/2014/main" id="{3C00A5DE-C43E-C9CC-93FB-BC683FB9E6DB}"/>
+              </a:ext>
+            </a:extLst>
+          </p:cNvPr>
+          <p:cNvSpPr>
+            <a:spLocks noGrp="1"/>
+          </p:cNvSpPr>
+          <p:nvPr>
+            <p:ph sz="half" idx="2"/>
+          </p:nvPr>
+        </p:nvSpPr>
+        <p:spPr/>
+        <p:txBody>
+          <a:bodyPr/>
+          <a:lstStyle/>
+          <a:p>
+            <a:r>
+              <a:rPr lang="sr-Latn-RS" dirty="0"/>
+              <a:t>Moćan za asinhrone tokove</a:t>
+            </a:r>
+          </a:p>
+          <a:p>
+            <a:endParaRPr lang="en-US" dirty="0"/>
+          </a:p>
+        </p:txBody>
+      </p:sp>
+      <p:sp>
+        <p:nvSpPr>
+          <p:cNvPr id="6" name="Text Placeholder 5">
+            <a:extLst>
+              <a:ext uri="{FF2B5EF4-FFF2-40B4-BE49-F238E27FC236}">
+                <a16:creationId xmlns:a16="http://schemas.microsoft.com/office/drawing/2014/main" id="{14904DD5-A2D1-EEBB-5953-ADDECEB89DF1}"/>
+              </a:ext>
+            </a:extLst>
+          </p:cNvPr>
+          <p:cNvSpPr>
+            <a:spLocks noGrp="1"/>
+          </p:cNvSpPr>
+          <p:nvPr>
+            <p:ph type="body" sz="quarter" idx="3"/>
+          </p:nvPr>
+        </p:nvSpPr>
+        <p:spPr/>
+        <p:txBody>
+          <a:bodyPr/>
+          <a:lstStyle/>
+          <a:p>
+            <a:r>
+              <a:rPr lang="sr-Latn-RS" dirty="0"/>
+              <a:t>Mane</a:t>
+            </a:r>
+            <a:endParaRPr lang="en-US" dirty="0"/>
+          </a:p>
+        </p:txBody>
+      </p:sp>
+      <p:sp>
+        <p:nvSpPr>
+          <p:cNvPr id="7" name="Content Placeholder 6">
+            <a:extLst>
+              <a:ext uri="{FF2B5EF4-FFF2-40B4-BE49-F238E27FC236}">
+                <a16:creationId xmlns:a16="http://schemas.microsoft.com/office/drawing/2014/main" id="{16C6A3A0-91B7-53F1-99D3-CF8AD22D7F0B}"/>
+              </a:ext>
+            </a:extLst>
+          </p:cNvPr>
+          <p:cNvSpPr>
+            <a:spLocks noGrp="1"/>
+          </p:cNvSpPr>
+          <p:nvPr>
+            <p:ph sz="quarter" idx="4"/>
+          </p:nvPr>
+        </p:nvSpPr>
+        <p:spPr/>
+        <p:txBody>
+          <a:bodyPr/>
+          <a:lstStyle/>
+          <a:p>
+            <a:r>
+              <a:rPr lang="sr-Latn-RS" dirty="0"/>
+              <a:t>Kompleksnost</a:t>
+            </a:r>
+          </a:p>
+          <a:p>
+            <a:r>
+              <a:rPr lang="sr-Latn-RS" dirty="0"/>
+              <a:t>Subscribe/unsubscribe</a:t>
+            </a:r>
+          </a:p>
+        </p:txBody>
+      </p:sp>
+    </p:spTree>
+    <p:extLst>
+      <p:ext uri="{BB962C8B-B14F-4D97-AF65-F5344CB8AC3E}">
+        <p14:creationId xmlns:p14="http://schemas.microsoft.com/office/powerpoint/2010/main" val="677834220"/>
       </p:ext>
     </p:extLst>
   </p:cSld>
@@ -7641,24 +11413,6 @@
 </file>
 
 <file path=customXml/item1.xml><?xml version="1.0" encoding="utf-8"?>
-<?mso-contentType ?>
-<FormTemplates xmlns="http://schemas.microsoft.com/sharepoint/v3/contenttype/forms">
-  <Display>DocumentLibraryForm</Display>
-  <Edit>DocumentLibraryForm</Edit>
-  <New>DocumentLibraryForm</New>
-</FormTemplates>
-</file>
-
-<file path=customXml/item2.xml><?xml version="1.0" encoding="utf-8"?>
-<p:properties xmlns:p="http://schemas.microsoft.com/office/2006/metadata/properties" xmlns:xsi="http://www.w3.org/2001/XMLSchema-instance" xmlns:pc="http://schemas.microsoft.com/office/infopath/2007/PartnerControls">
-  <documentManagement>
-    <Status xmlns="71af3243-3dd4-4a8d-8c0d-dd76da1f02a5">Not started</Status>
-    <MediaServiceKeyPoints xmlns="71af3243-3dd4-4a8d-8c0d-dd76da1f02a5" xsi:nil="true"/>
-  </documentManagement>
-</p:properties>
-</file>
-
-<file path=customXml/item3.xml><?xml version="1.0" encoding="utf-8"?>
 <ct:contentTypeSchema xmlns:ct="http://schemas.microsoft.com/office/2006/metadata/contentType" xmlns:ma="http://schemas.microsoft.com/office/2006/metadata/properties/metaAttributes" ct:_="" ma:_="" ma:contentTypeName="Document" ma:contentTypeID="0x01010079F111ED35F8CC479449609E8A0923A6" ma:contentTypeVersion="12" ma:contentTypeDescription="Create a new document." ma:contentTypeScope="" ma:versionID="a410dd7f93c95333ffa1b60ed6adedd1">
   <xsd:schema xmlns:xsd="http://www.w3.org/2001/XMLSchema" xmlns:xs="http://www.w3.org/2001/XMLSchema" xmlns:p="http://schemas.microsoft.com/office/2006/metadata/properties" xmlns:ns2="71af3243-3dd4-4a8d-8c0d-dd76da1f02a5" xmlns:ns3="16c05727-aa75-4e4a-9b5f-8a80a1165891" targetNamespace="http://schemas.microsoft.com/office/2006/metadata/properties" ma:root="true" ma:fieldsID="a936d9baba76aa3866493feff160faab" ns2:_="" ns3:_="">
     <xsd:import namespace="71af3243-3dd4-4a8d-8c0d-dd76da1f02a5"/>
@@ -7879,25 +11633,25 @@
 </ct:contentTypeSchema>
 </file>
 
-<file path=customXml/itemProps1.xml><?xml version="1.0" encoding="utf-8"?>
-<ds:datastoreItem xmlns:ds="http://schemas.openxmlformats.org/officeDocument/2006/customXml" ds:itemID="{64B270AB-C138-415C-897E-3C24487DECF1}">
-  <ds:schemaRefs>
-    <ds:schemaRef ds:uri="http://schemas.microsoft.com/sharepoint/v3/contenttype/forms"/>
-  </ds:schemaRefs>
-</ds:datastoreItem>
+<file path=customXml/item2.xml><?xml version="1.0" encoding="utf-8"?>
+<p:properties xmlns:p="http://schemas.microsoft.com/office/2006/metadata/properties" xmlns:xsi="http://www.w3.org/2001/XMLSchema-instance" xmlns:pc="http://schemas.microsoft.com/office/infopath/2007/PartnerControls">
+  <documentManagement>
+    <Status xmlns="71af3243-3dd4-4a8d-8c0d-dd76da1f02a5">Not started</Status>
+    <MediaServiceKeyPoints xmlns="71af3243-3dd4-4a8d-8c0d-dd76da1f02a5" xsi:nil="true"/>
+  </documentManagement>
+</p:properties>
 </file>
 
-<file path=customXml/itemProps2.xml><?xml version="1.0" encoding="utf-8"?>
-<ds:datastoreItem xmlns:ds="http://schemas.openxmlformats.org/officeDocument/2006/customXml" ds:itemID="{2C4C00F4-06E9-43E3-AD97-88A857CEFA82}">
-  <ds:schemaRefs>
-    <ds:schemaRef ds:uri="http://schemas.microsoft.com/office/2006/metadata/properties"/>
-    <ds:schemaRef ds:uri="http://schemas.microsoft.com/office/infopath/2007/PartnerControls"/>
-    <ds:schemaRef ds:uri="71af3243-3dd4-4a8d-8c0d-dd76da1f02a5"/>
-  </ds:schemaRefs>
-</ds:datastoreItem>
+<file path=customXml/item3.xml><?xml version="1.0" encoding="utf-8"?>
+<?mso-contentType ?>
+<FormTemplates xmlns="http://schemas.microsoft.com/sharepoint/v3/contenttype/forms">
+  <Display>DocumentLibraryForm</Display>
+  <Edit>DocumentLibraryForm</Edit>
+  <New>DocumentLibraryForm</New>
+</FormTemplates>
 </file>
 
-<file path=customXml/itemProps3.xml><?xml version="1.0" encoding="utf-8"?>
+<file path=customXml/itemProps1.xml><?xml version="1.0" encoding="utf-8"?>
 <ds:datastoreItem xmlns:ds="http://schemas.openxmlformats.org/officeDocument/2006/customXml" ds:itemID="{0585E981-8C91-4205-A0C3-C991F42B4C9E}">
   <ds:schemaRefs>
     <ds:schemaRef ds:uri="http://schemas.microsoft.com/office/2006/metadata/contentType"/>
@@ -7914,4 +11668,22 @@
     <ds:schemaRef ds:uri="http://schemas.microsoft.com/internal/obd"/>
   </ds:schemaRefs>
 </ds:datastoreItem>
+</file>
+
+<file path=customXml/itemProps2.xml><?xml version="1.0" encoding="utf-8"?>
+<ds:datastoreItem xmlns:ds="http://schemas.openxmlformats.org/officeDocument/2006/customXml" ds:itemID="{2C4C00F4-06E9-43E3-AD97-88A857CEFA82}">
+  <ds:schemaRefs>
+    <ds:schemaRef ds:uri="http://schemas.microsoft.com/office/2006/metadata/properties"/>
+    <ds:schemaRef ds:uri="http://schemas.microsoft.com/office/infopath/2007/PartnerControls"/>
+    <ds:schemaRef ds:uri="71af3243-3dd4-4a8d-8c0d-dd76da1f02a5"/>
+  </ds:schemaRefs>
+</ds:datastoreItem>
+</file>
+
+<file path=customXml/itemProps3.xml><?xml version="1.0" encoding="utf-8"?>
+<ds:datastoreItem xmlns:ds="http://schemas.openxmlformats.org/officeDocument/2006/customXml" ds:itemID="{64B270AB-C138-415C-897E-3C24487DECF1}">
+  <ds:schemaRefs>
+    <ds:schemaRef ds:uri="http://schemas.microsoft.com/sharepoint/v3/contenttype/forms"/>
+  </ds:schemaRefs>
+</ds:datastoreItem>
 </file>
--- a/Signali I RxJS.pptx
+++ b/Signali I RxJS.pptx
@@ -23683,9 +23683,16 @@
               <a:t>https://angular.dev/reference/versions</a:t>
             </a:r>
             <a:r>
-              <a:rPr lang="en-US" dirty="0"/>
-              <a:t> -&gt; https://nodejs.org/en</a:t>
-            </a:r>
+              <a:rPr lang="en-US"/>
+              <a:t>, </a:t>
+            </a:r>
+            <a:r>
+              <a:rPr lang="en-US">
+                <a:hlinkClick r:id="rId3"/>
+              </a:rPr>
+              <a:t>https://nodejs.org/en</a:t>
+            </a:r>
+            <a:endParaRPr lang="en-US" dirty="0"/>
           </a:p>
           <a:p>
             <a:pPr lvl="1">
@@ -23733,7 +23740,7 @@
             </a:r>
             <a:r>
               <a:rPr lang="en-US" dirty="0">
-                <a:hlinkClick r:id="rId3"/>
+                <a:hlinkClick r:id="rId4"/>
               </a:rPr>
               <a:t>https://github.com/anitagolubovic/SignalsAndRxJs</a:t>
             </a:r>
@@ -23750,7 +23757,7 @@
             </a:r>
             <a:r>
               <a:rPr lang="en-US" dirty="0" err="1"/>
-              <a:t>SignalsAndRxJS</a:t>
+              <a:t>SignalsAndRxJs</a:t>
             </a:r>
             <a:endParaRPr lang="en-US" dirty="0"/>
           </a:p>
@@ -23836,7 +23843,7 @@
           <a:p>
             <a:r>
               <a:rPr lang="en-US" u="sng" dirty="0">
-                <a:hlinkClick r:id="rId4"/>
+                <a:hlinkClick r:id="rId5"/>
               </a:rPr>
               <a:t>http://localhost:4200</a:t>
             </a:r>
@@ -27347,6 +27354,15 @@
 </file>
 
 <file path=customXml/item1.xml><?xml version="1.0" encoding="utf-8"?>
+<p:properties xmlns:p="http://schemas.microsoft.com/office/2006/metadata/properties" xmlns:xsi="http://www.w3.org/2001/XMLSchema-instance" xmlns:pc="http://schemas.microsoft.com/office/infopath/2007/PartnerControls">
+  <documentManagement>
+    <Status xmlns="71af3243-3dd4-4a8d-8c0d-dd76da1f02a5">Not started</Status>
+    <MediaServiceKeyPoints xmlns="71af3243-3dd4-4a8d-8c0d-dd76da1f02a5" xsi:nil="true"/>
+  </documentManagement>
+</p:properties>
+</file>
+
+<file path=customXml/item2.xml><?xml version="1.0" encoding="utf-8"?>
 <ct:contentTypeSchema xmlns:ct="http://schemas.microsoft.com/office/2006/metadata/contentType" xmlns:ma="http://schemas.microsoft.com/office/2006/metadata/properties/metaAttributes" ct:_="" ma:_="" ma:contentTypeName="Document" ma:contentTypeID="0x01010079F111ED35F8CC479449609E8A0923A6" ma:contentTypeVersion="12" ma:contentTypeDescription="Create a new document." ma:contentTypeScope="" ma:versionID="a410dd7f93c95333ffa1b60ed6adedd1">
   <xsd:schema xmlns:xsd="http://www.w3.org/2001/XMLSchema" xmlns:xs="http://www.w3.org/2001/XMLSchema" xmlns:p="http://schemas.microsoft.com/office/2006/metadata/properties" xmlns:ns2="71af3243-3dd4-4a8d-8c0d-dd76da1f02a5" xmlns:ns3="16c05727-aa75-4e4a-9b5f-8a80a1165891" targetNamespace="http://schemas.microsoft.com/office/2006/metadata/properties" ma:root="true" ma:fieldsID="a936d9baba76aa3866493feff160faab" ns2:_="" ns3:_="">
     <xsd:import namespace="71af3243-3dd4-4a8d-8c0d-dd76da1f02a5"/>
@@ -27567,15 +27583,6 @@
 </ct:contentTypeSchema>
 </file>
 
-<file path=customXml/item2.xml><?xml version="1.0" encoding="utf-8"?>
-<p:properties xmlns:p="http://schemas.microsoft.com/office/2006/metadata/properties" xmlns:xsi="http://www.w3.org/2001/XMLSchema-instance" xmlns:pc="http://schemas.microsoft.com/office/infopath/2007/PartnerControls">
-  <documentManagement>
-    <Status xmlns="71af3243-3dd4-4a8d-8c0d-dd76da1f02a5">Not started</Status>
-    <MediaServiceKeyPoints xmlns="71af3243-3dd4-4a8d-8c0d-dd76da1f02a5" xsi:nil="true"/>
-  </documentManagement>
-</p:properties>
-</file>
-
 <file path=customXml/item3.xml><?xml version="1.0" encoding="utf-8"?>
 <?mso-contentType ?>
 <FormTemplates xmlns="http://schemas.microsoft.com/sharepoint/v3/contenttype/forms">
@@ -27586,6 +27593,16 @@
 </file>
 
 <file path=customXml/itemProps1.xml><?xml version="1.0" encoding="utf-8"?>
+<ds:datastoreItem xmlns:ds="http://schemas.openxmlformats.org/officeDocument/2006/customXml" ds:itemID="{2C4C00F4-06E9-43E3-AD97-88A857CEFA82}">
+  <ds:schemaRefs>
+    <ds:schemaRef ds:uri="http://schemas.microsoft.com/office/2006/metadata/properties"/>
+    <ds:schemaRef ds:uri="http://schemas.microsoft.com/office/infopath/2007/PartnerControls"/>
+    <ds:schemaRef ds:uri="71af3243-3dd4-4a8d-8c0d-dd76da1f02a5"/>
+  </ds:schemaRefs>
+</ds:datastoreItem>
+</file>
+
+<file path=customXml/itemProps2.xml><?xml version="1.0" encoding="utf-8"?>
 <ds:datastoreItem xmlns:ds="http://schemas.openxmlformats.org/officeDocument/2006/customXml" ds:itemID="{0585E981-8C91-4205-A0C3-C991F42B4C9E}">
   <ds:schemaRefs>
     <ds:schemaRef ds:uri="http://schemas.microsoft.com/office/2006/metadata/contentType"/>
@@ -27604,16 +27621,6 @@
 </ds:datastoreItem>
 </file>
 
-<file path=customXml/itemProps2.xml><?xml version="1.0" encoding="utf-8"?>
-<ds:datastoreItem xmlns:ds="http://schemas.openxmlformats.org/officeDocument/2006/customXml" ds:itemID="{2C4C00F4-06E9-43E3-AD97-88A857CEFA82}">
-  <ds:schemaRefs>
-    <ds:schemaRef ds:uri="http://schemas.microsoft.com/office/2006/metadata/properties"/>
-    <ds:schemaRef ds:uri="http://schemas.microsoft.com/office/infopath/2007/PartnerControls"/>
-    <ds:schemaRef ds:uri="71af3243-3dd4-4a8d-8c0d-dd76da1f02a5"/>
-  </ds:schemaRefs>
-</ds:datastoreItem>
-</file>
-
 <file path=customXml/itemProps3.xml><?xml version="1.0" encoding="utf-8"?>
 <ds:datastoreItem xmlns:ds="http://schemas.openxmlformats.org/officeDocument/2006/customXml" ds:itemID="{64B270AB-C138-415C-897E-3C24487DECF1}">
   <ds:schemaRefs>
